--- a/Presentaties/tussentijdse_presentatie_arno_willaert.pptx
+++ b/Presentaties/tussentijdse_presentatie_arno_willaert.pptx
@@ -6,11 +6,21 @@
   </p:sldMasterIdLst>
   <p:sldIdLst>
     <p:sldId id="256" r:id="rId2"/>
-    <p:sldId id="257" r:id="rId3"/>
-    <p:sldId id="258" r:id="rId4"/>
-    <p:sldId id="260" r:id="rId5"/>
-    <p:sldId id="263" r:id="rId6"/>
-    <p:sldId id="264" r:id="rId7"/>
+    <p:sldId id="275" r:id="rId3"/>
+    <p:sldId id="257" r:id="rId4"/>
+    <p:sldId id="276" r:id="rId5"/>
+    <p:sldId id="258" r:id="rId6"/>
+    <p:sldId id="260" r:id="rId7"/>
+    <p:sldId id="263" r:id="rId8"/>
+    <p:sldId id="269" r:id="rId9"/>
+    <p:sldId id="264" r:id="rId10"/>
+    <p:sldId id="265" r:id="rId11"/>
+    <p:sldId id="266" r:id="rId12"/>
+    <p:sldId id="267" r:id="rId13"/>
+    <p:sldId id="268" r:id="rId14"/>
+    <p:sldId id="271" r:id="rId15"/>
+    <p:sldId id="270" r:id="rId16"/>
+    <p:sldId id="273" r:id="rId17"/>
   </p:sldIdLst>
   <p:sldSz cx="12192000" cy="6858000"/>
   <p:notesSz cx="6858000" cy="9144000"/>
@@ -109,6 +119,11 @@
       </a:defRPr>
     </a:lvl9pPr>
   </p:defaultTextStyle>
+  <p:extLst>
+    <p:ext uri="{EFAFB233-063F-42B5-8137-9DF3F51BA10A}">
+      <p15:sldGuideLst xmlns:p15="http://schemas.microsoft.com/office/powerpoint/2012/main"/>
+    </p:ext>
+  </p:extLst>
 </p:presentation>
 </file>
 
@@ -243,7 +258,7 @@
           <a:p>
             <a:fld id="{BA630C36-0887-417B-A692-714736A76333}" type="datetimeFigureOut">
               <a:rPr lang="de-DE" smtClean="0"/>
-              <a:t>21.03.2018</a:t>
+              <a:t>26.03.2018</a:t>
             </a:fld>
             <a:endParaRPr lang="de-DE"/>
           </a:p>
@@ -413,7 +428,7 @@
           <a:p>
             <a:fld id="{BA630C36-0887-417B-A692-714736A76333}" type="datetimeFigureOut">
               <a:rPr lang="de-DE" smtClean="0"/>
-              <a:t>21.03.2018</a:t>
+              <a:t>26.03.2018</a:t>
             </a:fld>
             <a:endParaRPr lang="de-DE"/>
           </a:p>
@@ -593,7 +608,7 @@
           <a:p>
             <a:fld id="{BA630C36-0887-417B-A692-714736A76333}" type="datetimeFigureOut">
               <a:rPr lang="de-DE" smtClean="0"/>
-              <a:t>21.03.2018</a:t>
+              <a:t>26.03.2018</a:t>
             </a:fld>
             <a:endParaRPr lang="de-DE"/>
           </a:p>
@@ -763,7 +778,7 @@
           <a:p>
             <a:fld id="{BA630C36-0887-417B-A692-714736A76333}" type="datetimeFigureOut">
               <a:rPr lang="de-DE" smtClean="0"/>
-              <a:t>21.03.2018</a:t>
+              <a:t>26.03.2018</a:t>
             </a:fld>
             <a:endParaRPr lang="de-DE"/>
           </a:p>
@@ -1009,7 +1024,7 @@
           <a:p>
             <a:fld id="{BA630C36-0887-417B-A692-714736A76333}" type="datetimeFigureOut">
               <a:rPr lang="de-DE" smtClean="0"/>
-              <a:t>21.03.2018</a:t>
+              <a:t>26.03.2018</a:t>
             </a:fld>
             <a:endParaRPr lang="de-DE"/>
           </a:p>
@@ -1241,7 +1256,7 @@
           <a:p>
             <a:fld id="{BA630C36-0887-417B-A692-714736A76333}" type="datetimeFigureOut">
               <a:rPr lang="de-DE" smtClean="0"/>
-              <a:t>21.03.2018</a:t>
+              <a:t>26.03.2018</a:t>
             </a:fld>
             <a:endParaRPr lang="de-DE"/>
           </a:p>
@@ -1608,7 +1623,7 @@
           <a:p>
             <a:fld id="{BA630C36-0887-417B-A692-714736A76333}" type="datetimeFigureOut">
               <a:rPr lang="de-DE" smtClean="0"/>
-              <a:t>21.03.2018</a:t>
+              <a:t>26.03.2018</a:t>
             </a:fld>
             <a:endParaRPr lang="de-DE"/>
           </a:p>
@@ -1726,7 +1741,7 @@
           <a:p>
             <a:fld id="{BA630C36-0887-417B-A692-714736A76333}" type="datetimeFigureOut">
               <a:rPr lang="de-DE" smtClean="0"/>
-              <a:t>21.03.2018</a:t>
+              <a:t>26.03.2018</a:t>
             </a:fld>
             <a:endParaRPr lang="de-DE"/>
           </a:p>
@@ -1821,7 +1836,7 @@
           <a:p>
             <a:fld id="{BA630C36-0887-417B-A692-714736A76333}" type="datetimeFigureOut">
               <a:rPr lang="de-DE" smtClean="0"/>
-              <a:t>21.03.2018</a:t>
+              <a:t>26.03.2018</a:t>
             </a:fld>
             <a:endParaRPr lang="de-DE"/>
           </a:p>
@@ -2098,7 +2113,7 @@
           <a:p>
             <a:fld id="{BA630C36-0887-417B-A692-714736A76333}" type="datetimeFigureOut">
               <a:rPr lang="de-DE" smtClean="0"/>
-              <a:t>21.03.2018</a:t>
+              <a:t>26.03.2018</a:t>
             </a:fld>
             <a:endParaRPr lang="de-DE"/>
           </a:p>
@@ -2355,7 +2370,7 @@
           <a:p>
             <a:fld id="{BA630C36-0887-417B-A692-714736A76333}" type="datetimeFigureOut">
               <a:rPr lang="de-DE" smtClean="0"/>
-              <a:t>21.03.2018</a:t>
+              <a:t>26.03.2018</a:t>
             </a:fld>
             <a:endParaRPr lang="de-DE"/>
           </a:p>
@@ -2573,7 +2588,7 @@
           <a:p>
             <a:fld id="{BA630C36-0887-417B-A692-714736A76333}" type="datetimeFigureOut">
               <a:rPr lang="de-DE" smtClean="0"/>
-              <a:t>21.03.2018</a:t>
+              <a:t>26.03.2018</a:t>
             </a:fld>
             <a:endParaRPr lang="de-DE"/>
           </a:p>
@@ -3141,7 +3156,1779 @@
 </p:sld>
 </file>
 
+<file path=ppt/slides/slide10.xml><?xml version="1.0" encoding="utf-8"?>
+<p:sld xmlns:a="http://schemas.openxmlformats.org/drawingml/2006/main" xmlns:r="http://schemas.openxmlformats.org/officeDocument/2006/relationships" xmlns:p="http://schemas.openxmlformats.org/presentationml/2006/main">
+  <p:cSld>
+    <p:spTree>
+      <p:nvGrpSpPr>
+        <p:cNvPr id="1" name=""/>
+        <p:cNvGrpSpPr/>
+        <p:nvPr/>
+      </p:nvGrpSpPr>
+      <p:grpSpPr>
+        <a:xfrm>
+          <a:off x="0" y="0"/>
+          <a:ext cx="0" cy="0"/>
+          <a:chOff x="0" y="0"/>
+          <a:chExt cx="0" cy="0"/>
+        </a:xfrm>
+      </p:grpSpPr>
+      <p:sp>
+        <p:nvSpPr>
+          <p:cNvPr id="2" name="Title 1"/>
+          <p:cNvSpPr>
+            <a:spLocks noGrp="1"/>
+          </p:cNvSpPr>
+          <p:nvPr>
+            <p:ph type="title"/>
+          </p:nvPr>
+        </p:nvSpPr>
+        <p:spPr/>
+        <p:txBody>
+          <a:bodyPr>
+            <a:normAutofit/>
+          </a:bodyPr>
+          <a:lstStyle/>
+          <a:p>
+            <a:r>
+              <a:rPr lang="nl-BE" dirty="0" smtClean="0">
+                <a:solidFill>
+                  <a:srgbClr val="663300">
+                    <a:alpha val="90000"/>
+                  </a:srgbClr>
+                </a:solidFill>
+                <a:latin typeface="Gill Sans MT" panose="020B0502020104020203" pitchFamily="34" charset="0"/>
+                <a:ea typeface="Verdana" panose="020B0604030504040204" pitchFamily="34" charset="0"/>
+                <a:cs typeface="Verdana" panose="020B0604030504040204" pitchFamily="34" charset="0"/>
+              </a:rPr>
+              <a:t>Deployment </a:t>
+            </a:r>
+            <a:r>
+              <a:rPr lang="nl-BE" dirty="0" err="1" smtClean="0">
+                <a:solidFill>
+                  <a:srgbClr val="663300">
+                    <a:alpha val="90000"/>
+                  </a:srgbClr>
+                </a:solidFill>
+                <a:latin typeface="Gill Sans MT" panose="020B0502020104020203" pitchFamily="34" charset="0"/>
+                <a:ea typeface="Verdana" panose="020B0604030504040204" pitchFamily="34" charset="0"/>
+                <a:cs typeface="Verdana" panose="020B0604030504040204" pitchFamily="34" charset="0"/>
+              </a:rPr>
+              <a:t>architecture</a:t>
+            </a:r>
+            <a:endParaRPr lang="nl-BE" dirty="0">
+              <a:solidFill>
+                <a:srgbClr val="663300">
+                  <a:alpha val="90000"/>
+                </a:srgbClr>
+              </a:solidFill>
+              <a:latin typeface="Gill Sans MT" panose="020B0502020104020203" pitchFamily="34" charset="0"/>
+              <a:ea typeface="Verdana" panose="020B0604030504040204" pitchFamily="34" charset="0"/>
+              <a:cs typeface="Verdana" panose="020B0604030504040204" pitchFamily="34" charset="0"/>
+            </a:endParaRPr>
+          </a:p>
+        </p:txBody>
+      </p:sp>
+      <p:sp>
+        <p:nvSpPr>
+          <p:cNvPr id="3" name="Content Placeholder 2"/>
+          <p:cNvSpPr>
+            <a:spLocks noGrp="1"/>
+          </p:cNvSpPr>
+          <p:nvPr>
+            <p:ph idx="1"/>
+          </p:nvPr>
+        </p:nvSpPr>
+        <p:spPr/>
+        <p:txBody>
+          <a:bodyPr>
+            <a:normAutofit/>
+          </a:bodyPr>
+          <a:lstStyle/>
+          <a:p>
+            <a:endParaRPr lang="nl-BE" dirty="0" smtClean="0">
+              <a:solidFill>
+                <a:srgbClr val="663300">
+                  <a:alpha val="88000"/>
+                </a:srgbClr>
+              </a:solidFill>
+              <a:latin typeface="Gill Sans MT" panose="020B0502020104020203" pitchFamily="34" charset="0"/>
+            </a:endParaRPr>
+          </a:p>
+          <a:p>
+            <a:endParaRPr lang="nl-BE" dirty="0">
+              <a:solidFill>
+                <a:srgbClr val="663300">
+                  <a:alpha val="88000"/>
+                </a:srgbClr>
+              </a:solidFill>
+              <a:latin typeface="Gill Sans MT" panose="020B0502020104020203" pitchFamily="34" charset="0"/>
+            </a:endParaRPr>
+          </a:p>
+        </p:txBody>
+      </p:sp>
+      <p:pic>
+        <p:nvPicPr>
+          <p:cNvPr id="6" name="Picture 5"/>
+          <p:cNvPicPr>
+            <a:picLocks noChangeAspect="1"/>
+          </p:cNvPicPr>
+          <p:nvPr/>
+        </p:nvPicPr>
+        <p:blipFill>
+          <a:blip r:embed="rId2">
+            <a:extLst>
+              <a:ext uri="{28A0092B-C50C-407E-A947-70E740481C1C}">
+                <a14:useLocalDpi xmlns:a14="http://schemas.microsoft.com/office/drawing/2010/main" val="0"/>
+              </a:ext>
+            </a:extLst>
+          </a:blip>
+          <a:stretch>
+            <a:fillRect/>
+          </a:stretch>
+        </p:blipFill>
+        <p:spPr>
+          <a:xfrm>
+            <a:off x="2842758" y="2085787"/>
+            <a:ext cx="6506483" cy="2686425"/>
+          </a:xfrm>
+          <a:prstGeom prst="rect">
+            <a:avLst/>
+          </a:prstGeom>
+        </p:spPr>
+      </p:pic>
+    </p:spTree>
+    <p:extLst>
+      <p:ext uri="{BB962C8B-B14F-4D97-AF65-F5344CB8AC3E}">
+        <p14:creationId xmlns:p14="http://schemas.microsoft.com/office/powerpoint/2010/main" val="3895039079"/>
+      </p:ext>
+    </p:extLst>
+  </p:cSld>
+  <p:clrMapOvr>
+    <a:masterClrMapping/>
+  </p:clrMapOvr>
+  <p:timing>
+    <p:tnLst>
+      <p:par>
+        <p:cTn id="1" dur="indefinite" restart="never" nodeType="tmRoot"/>
+      </p:par>
+    </p:tnLst>
+  </p:timing>
+</p:sld>
+</file>
+
+<file path=ppt/slides/slide11.xml><?xml version="1.0" encoding="utf-8"?>
+<p:sld xmlns:a="http://schemas.openxmlformats.org/drawingml/2006/main" xmlns:r="http://schemas.openxmlformats.org/officeDocument/2006/relationships" xmlns:p="http://schemas.openxmlformats.org/presentationml/2006/main">
+  <p:cSld>
+    <p:spTree>
+      <p:nvGrpSpPr>
+        <p:cNvPr id="1" name=""/>
+        <p:cNvGrpSpPr/>
+        <p:nvPr/>
+      </p:nvGrpSpPr>
+      <p:grpSpPr>
+        <a:xfrm>
+          <a:off x="0" y="0"/>
+          <a:ext cx="0" cy="0"/>
+          <a:chOff x="0" y="0"/>
+          <a:chExt cx="0" cy="0"/>
+        </a:xfrm>
+      </p:grpSpPr>
+      <p:sp>
+        <p:nvSpPr>
+          <p:cNvPr id="2" name="Title 1"/>
+          <p:cNvSpPr>
+            <a:spLocks noGrp="1"/>
+          </p:cNvSpPr>
+          <p:nvPr>
+            <p:ph type="title"/>
+          </p:nvPr>
+        </p:nvSpPr>
+        <p:spPr/>
+        <p:txBody>
+          <a:bodyPr>
+            <a:normAutofit/>
+          </a:bodyPr>
+          <a:lstStyle/>
+          <a:p>
+            <a:r>
+              <a:rPr lang="nl-BE" dirty="0">
+                <a:solidFill>
+                  <a:srgbClr val="663300">
+                    <a:alpha val="90000"/>
+                  </a:srgbClr>
+                </a:solidFill>
+                <a:latin typeface="Gill Sans MT" panose="020B0502020104020203" pitchFamily="34" charset="0"/>
+                <a:ea typeface="Verdana" panose="020B0604030504040204" pitchFamily="34" charset="0"/>
+                <a:cs typeface="Verdana" panose="020B0604030504040204" pitchFamily="34" charset="0"/>
+              </a:rPr>
+              <a:t>Deployment </a:t>
+            </a:r>
+            <a:r>
+              <a:rPr lang="nl-BE" dirty="0" err="1" smtClean="0">
+                <a:solidFill>
+                  <a:srgbClr val="663300">
+                    <a:alpha val="90000"/>
+                  </a:srgbClr>
+                </a:solidFill>
+                <a:latin typeface="Gill Sans MT" panose="020B0502020104020203" pitchFamily="34" charset="0"/>
+                <a:ea typeface="Verdana" panose="020B0604030504040204" pitchFamily="34" charset="0"/>
+                <a:cs typeface="Verdana" panose="020B0604030504040204" pitchFamily="34" charset="0"/>
+              </a:rPr>
+              <a:t>architecture</a:t>
+            </a:r>
+            <a:r>
+              <a:rPr lang="nl-BE" dirty="0" smtClean="0">
+                <a:solidFill>
+                  <a:srgbClr val="663300">
+                    <a:alpha val="90000"/>
+                  </a:srgbClr>
+                </a:solidFill>
+                <a:latin typeface="Gill Sans MT" panose="020B0502020104020203" pitchFamily="34" charset="0"/>
+                <a:ea typeface="Verdana" panose="020B0604030504040204" pitchFamily="34" charset="0"/>
+                <a:cs typeface="Verdana" panose="020B0604030504040204" pitchFamily="34" charset="0"/>
+              </a:rPr>
+              <a:t> 2</a:t>
+            </a:r>
+            <a:endParaRPr lang="nl-BE" dirty="0">
+              <a:solidFill>
+                <a:srgbClr val="663300">
+                  <a:alpha val="90000"/>
+                </a:srgbClr>
+              </a:solidFill>
+              <a:latin typeface="Gill Sans MT" panose="020B0502020104020203" pitchFamily="34" charset="0"/>
+              <a:ea typeface="Verdana" panose="020B0604030504040204" pitchFamily="34" charset="0"/>
+              <a:cs typeface="Verdana" panose="020B0604030504040204" pitchFamily="34" charset="0"/>
+            </a:endParaRPr>
+          </a:p>
+        </p:txBody>
+      </p:sp>
+      <p:sp>
+        <p:nvSpPr>
+          <p:cNvPr id="3" name="Content Placeholder 2"/>
+          <p:cNvSpPr>
+            <a:spLocks noGrp="1"/>
+          </p:cNvSpPr>
+          <p:nvPr>
+            <p:ph idx="1"/>
+          </p:nvPr>
+        </p:nvSpPr>
+        <p:spPr/>
+        <p:txBody>
+          <a:bodyPr>
+            <a:normAutofit/>
+          </a:bodyPr>
+          <a:lstStyle/>
+          <a:p>
+            <a:endParaRPr lang="nl-BE" dirty="0" smtClean="0">
+              <a:solidFill>
+                <a:srgbClr val="663300">
+                  <a:alpha val="88000"/>
+                </a:srgbClr>
+              </a:solidFill>
+              <a:latin typeface="Gill Sans MT" panose="020B0502020104020203" pitchFamily="34" charset="0"/>
+            </a:endParaRPr>
+          </a:p>
+          <a:p>
+            <a:endParaRPr lang="nl-BE" dirty="0">
+              <a:solidFill>
+                <a:srgbClr val="663300">
+                  <a:alpha val="88000"/>
+                </a:srgbClr>
+              </a:solidFill>
+              <a:latin typeface="Gill Sans MT" panose="020B0502020104020203" pitchFamily="34" charset="0"/>
+            </a:endParaRPr>
+          </a:p>
+        </p:txBody>
+      </p:sp>
+      <p:pic>
+        <p:nvPicPr>
+          <p:cNvPr id="4" name="Picture 3"/>
+          <p:cNvPicPr>
+            <a:picLocks noChangeAspect="1"/>
+          </p:cNvPicPr>
+          <p:nvPr/>
+        </p:nvPicPr>
+        <p:blipFill>
+          <a:blip r:embed="rId2">
+            <a:extLst>
+              <a:ext uri="{28A0092B-C50C-407E-A947-70E740481C1C}">
+                <a14:useLocalDpi xmlns:a14="http://schemas.microsoft.com/office/drawing/2010/main" val="0"/>
+              </a:ext>
+            </a:extLst>
+          </a:blip>
+          <a:stretch>
+            <a:fillRect/>
+          </a:stretch>
+        </p:blipFill>
+        <p:spPr>
+          <a:xfrm>
+            <a:off x="2890390" y="2004813"/>
+            <a:ext cx="6411220" cy="2848373"/>
+          </a:xfrm>
+          <a:prstGeom prst="rect">
+            <a:avLst/>
+          </a:prstGeom>
+        </p:spPr>
+      </p:pic>
+    </p:spTree>
+    <p:extLst>
+      <p:ext uri="{BB962C8B-B14F-4D97-AF65-F5344CB8AC3E}">
+        <p14:creationId xmlns:p14="http://schemas.microsoft.com/office/powerpoint/2010/main" val="3888111604"/>
+      </p:ext>
+    </p:extLst>
+  </p:cSld>
+  <p:clrMapOvr>
+    <a:masterClrMapping/>
+  </p:clrMapOvr>
+  <p:timing>
+    <p:tnLst>
+      <p:par>
+        <p:cTn id="1" dur="indefinite" restart="never" nodeType="tmRoot"/>
+      </p:par>
+    </p:tnLst>
+  </p:timing>
+</p:sld>
+</file>
+
+<file path=ppt/slides/slide12.xml><?xml version="1.0" encoding="utf-8"?>
+<p:sld xmlns:a="http://schemas.openxmlformats.org/drawingml/2006/main" xmlns:r="http://schemas.openxmlformats.org/officeDocument/2006/relationships" xmlns:p="http://schemas.openxmlformats.org/presentationml/2006/main">
+  <p:cSld>
+    <p:spTree>
+      <p:nvGrpSpPr>
+        <p:cNvPr id="1" name=""/>
+        <p:cNvGrpSpPr/>
+        <p:nvPr/>
+      </p:nvGrpSpPr>
+      <p:grpSpPr>
+        <a:xfrm>
+          <a:off x="0" y="0"/>
+          <a:ext cx="0" cy="0"/>
+          <a:chOff x="0" y="0"/>
+          <a:chExt cx="0" cy="0"/>
+        </a:xfrm>
+      </p:grpSpPr>
+      <p:sp>
+        <p:nvSpPr>
+          <p:cNvPr id="2" name="Title 1"/>
+          <p:cNvSpPr>
+            <a:spLocks noGrp="1"/>
+          </p:cNvSpPr>
+          <p:nvPr>
+            <p:ph type="title"/>
+          </p:nvPr>
+        </p:nvSpPr>
+        <p:spPr/>
+        <p:txBody>
+          <a:bodyPr>
+            <a:normAutofit/>
+          </a:bodyPr>
+          <a:lstStyle/>
+          <a:p>
+            <a:r>
+              <a:rPr lang="nl-BE" dirty="0" smtClean="0">
+                <a:solidFill>
+                  <a:srgbClr val="663300">
+                    <a:alpha val="90000"/>
+                  </a:srgbClr>
+                </a:solidFill>
+                <a:latin typeface="Gill Sans MT" panose="020B0502020104020203" pitchFamily="34" charset="0"/>
+                <a:ea typeface="Verdana" panose="020B0604030504040204" pitchFamily="34" charset="0"/>
+                <a:cs typeface="Verdana" panose="020B0604030504040204" pitchFamily="34" charset="0"/>
+              </a:rPr>
+              <a:t>Planning</a:t>
+            </a:r>
+            <a:endParaRPr lang="nl-BE" dirty="0">
+              <a:solidFill>
+                <a:srgbClr val="663300">
+                  <a:alpha val="90000"/>
+                </a:srgbClr>
+              </a:solidFill>
+              <a:latin typeface="Gill Sans MT" panose="020B0502020104020203" pitchFamily="34" charset="0"/>
+              <a:ea typeface="Verdana" panose="020B0604030504040204" pitchFamily="34" charset="0"/>
+              <a:cs typeface="Verdana" panose="020B0604030504040204" pitchFamily="34" charset="0"/>
+            </a:endParaRPr>
+          </a:p>
+        </p:txBody>
+      </p:sp>
+      <p:sp>
+        <p:nvSpPr>
+          <p:cNvPr id="3" name="Content Placeholder 2"/>
+          <p:cNvSpPr>
+            <a:spLocks noGrp="1"/>
+          </p:cNvSpPr>
+          <p:nvPr>
+            <p:ph idx="1"/>
+          </p:nvPr>
+        </p:nvSpPr>
+        <p:spPr/>
+        <p:txBody>
+          <a:bodyPr>
+            <a:normAutofit/>
+          </a:bodyPr>
+          <a:lstStyle/>
+          <a:p>
+            <a:endParaRPr lang="nl-BE" dirty="0" smtClean="0">
+              <a:solidFill>
+                <a:srgbClr val="663300">
+                  <a:alpha val="88000"/>
+                </a:srgbClr>
+              </a:solidFill>
+              <a:latin typeface="Gill Sans MT" panose="020B0502020104020203" pitchFamily="34" charset="0"/>
+            </a:endParaRPr>
+          </a:p>
+          <a:p>
+            <a:endParaRPr lang="nl-BE" dirty="0">
+              <a:solidFill>
+                <a:srgbClr val="663300">
+                  <a:alpha val="88000"/>
+                </a:srgbClr>
+              </a:solidFill>
+              <a:latin typeface="Gill Sans MT" panose="020B0502020104020203" pitchFamily="34" charset="0"/>
+            </a:endParaRPr>
+          </a:p>
+        </p:txBody>
+      </p:sp>
+      <p:pic>
+        <p:nvPicPr>
+          <p:cNvPr id="4" name="Picture 3"/>
+          <p:cNvPicPr>
+            <a:picLocks noChangeAspect="1"/>
+          </p:cNvPicPr>
+          <p:nvPr/>
+        </p:nvPicPr>
+        <p:blipFill>
+          <a:blip r:embed="rId2">
+            <a:extLst>
+              <a:ext uri="{28A0092B-C50C-407E-A947-70E740481C1C}">
+                <a14:useLocalDpi xmlns:a14="http://schemas.microsoft.com/office/drawing/2010/main" val="0"/>
+              </a:ext>
+            </a:extLst>
+          </a:blip>
+          <a:stretch>
+            <a:fillRect/>
+          </a:stretch>
+        </p:blipFill>
+        <p:spPr>
+          <a:xfrm>
+            <a:off x="0" y="1477139"/>
+            <a:ext cx="12192000" cy="5380861"/>
+          </a:xfrm>
+          <a:prstGeom prst="rect">
+            <a:avLst/>
+          </a:prstGeom>
+        </p:spPr>
+      </p:pic>
+    </p:spTree>
+    <p:extLst>
+      <p:ext uri="{BB962C8B-B14F-4D97-AF65-F5344CB8AC3E}">
+        <p14:creationId xmlns:p14="http://schemas.microsoft.com/office/powerpoint/2010/main" val="2211483857"/>
+      </p:ext>
+    </p:extLst>
+  </p:cSld>
+  <p:clrMapOvr>
+    <a:masterClrMapping/>
+  </p:clrMapOvr>
+  <p:timing>
+    <p:tnLst>
+      <p:par>
+        <p:cTn id="1" dur="indefinite" restart="never" nodeType="tmRoot"/>
+      </p:par>
+    </p:tnLst>
+  </p:timing>
+</p:sld>
+</file>
+
+<file path=ppt/slides/slide13.xml><?xml version="1.0" encoding="utf-8"?>
+<p:sld xmlns:a="http://schemas.openxmlformats.org/drawingml/2006/main" xmlns:r="http://schemas.openxmlformats.org/officeDocument/2006/relationships" xmlns:p="http://schemas.openxmlformats.org/presentationml/2006/main">
+  <p:cSld>
+    <p:spTree>
+      <p:nvGrpSpPr>
+        <p:cNvPr id="1" name=""/>
+        <p:cNvGrpSpPr/>
+        <p:nvPr/>
+      </p:nvGrpSpPr>
+      <p:grpSpPr>
+        <a:xfrm>
+          <a:off x="0" y="0"/>
+          <a:ext cx="0" cy="0"/>
+          <a:chOff x="0" y="0"/>
+          <a:chExt cx="0" cy="0"/>
+        </a:xfrm>
+      </p:grpSpPr>
+      <p:sp>
+        <p:nvSpPr>
+          <p:cNvPr id="2" name="Title 1"/>
+          <p:cNvSpPr>
+            <a:spLocks noGrp="1"/>
+          </p:cNvSpPr>
+          <p:nvPr>
+            <p:ph type="title"/>
+          </p:nvPr>
+        </p:nvSpPr>
+        <p:spPr/>
+        <p:txBody>
+          <a:bodyPr>
+            <a:normAutofit/>
+          </a:bodyPr>
+          <a:lstStyle/>
+          <a:p>
+            <a:r>
+              <a:rPr lang="nl-BE" dirty="0" smtClean="0">
+                <a:solidFill>
+                  <a:srgbClr val="663300">
+                    <a:alpha val="90000"/>
+                  </a:srgbClr>
+                </a:solidFill>
+                <a:latin typeface="Gill Sans MT" panose="020B0502020104020203" pitchFamily="34" charset="0"/>
+                <a:ea typeface="Verdana" panose="020B0604030504040204" pitchFamily="34" charset="0"/>
+                <a:cs typeface="Verdana" panose="020B0604030504040204" pitchFamily="34" charset="0"/>
+              </a:rPr>
+              <a:t>Problemen</a:t>
+            </a:r>
+            <a:endParaRPr lang="nl-BE" dirty="0">
+              <a:solidFill>
+                <a:srgbClr val="663300">
+                  <a:alpha val="90000"/>
+                </a:srgbClr>
+              </a:solidFill>
+              <a:latin typeface="Gill Sans MT" panose="020B0502020104020203" pitchFamily="34" charset="0"/>
+              <a:ea typeface="Verdana" panose="020B0604030504040204" pitchFamily="34" charset="0"/>
+              <a:cs typeface="Verdana" panose="020B0604030504040204" pitchFamily="34" charset="0"/>
+            </a:endParaRPr>
+          </a:p>
+        </p:txBody>
+      </p:sp>
+      <p:sp>
+        <p:nvSpPr>
+          <p:cNvPr id="3" name="Content Placeholder 2"/>
+          <p:cNvSpPr>
+            <a:spLocks noGrp="1"/>
+          </p:cNvSpPr>
+          <p:nvPr>
+            <p:ph idx="1"/>
+          </p:nvPr>
+        </p:nvSpPr>
+        <p:spPr/>
+        <p:txBody>
+          <a:bodyPr>
+            <a:normAutofit/>
+          </a:bodyPr>
+          <a:lstStyle/>
+          <a:p>
+            <a:endParaRPr lang="nl-BE" dirty="0" smtClean="0">
+              <a:solidFill>
+                <a:srgbClr val="663300">
+                  <a:alpha val="88000"/>
+                </a:srgbClr>
+              </a:solidFill>
+              <a:latin typeface="Gill Sans MT" panose="020B0502020104020203" pitchFamily="34" charset="0"/>
+            </a:endParaRPr>
+          </a:p>
+          <a:p>
+            <a:endParaRPr lang="nl-BE" dirty="0">
+              <a:solidFill>
+                <a:srgbClr val="663300">
+                  <a:alpha val="88000"/>
+                </a:srgbClr>
+              </a:solidFill>
+              <a:latin typeface="Gill Sans MT" panose="020B0502020104020203" pitchFamily="34" charset="0"/>
+            </a:endParaRPr>
+          </a:p>
+        </p:txBody>
+      </p:sp>
+      <p:pic>
+        <p:nvPicPr>
+          <p:cNvPr id="4" name="Picture 3"/>
+          <p:cNvPicPr>
+            <a:picLocks noChangeAspect="1"/>
+          </p:cNvPicPr>
+          <p:nvPr/>
+        </p:nvPicPr>
+        <p:blipFill>
+          <a:blip r:embed="rId2">
+            <a:extLst>
+              <a:ext uri="{28A0092B-C50C-407E-A947-70E740481C1C}">
+                <a14:useLocalDpi xmlns:a14="http://schemas.microsoft.com/office/drawing/2010/main" val="0"/>
+              </a:ext>
+            </a:extLst>
+          </a:blip>
+          <a:stretch>
+            <a:fillRect/>
+          </a:stretch>
+        </p:blipFill>
+        <p:spPr>
+          <a:xfrm>
+            <a:off x="2842758" y="2085787"/>
+            <a:ext cx="6506483" cy="2686425"/>
+          </a:xfrm>
+          <a:prstGeom prst="rect">
+            <a:avLst/>
+          </a:prstGeom>
+        </p:spPr>
+      </p:pic>
+    </p:spTree>
+    <p:extLst>
+      <p:ext uri="{BB962C8B-B14F-4D97-AF65-F5344CB8AC3E}">
+        <p14:creationId xmlns:p14="http://schemas.microsoft.com/office/powerpoint/2010/main" val="2000185107"/>
+      </p:ext>
+    </p:extLst>
+  </p:cSld>
+  <p:clrMapOvr>
+    <a:masterClrMapping/>
+  </p:clrMapOvr>
+  <p:timing>
+    <p:tnLst>
+      <p:par>
+        <p:cTn id="1" dur="indefinite" restart="never" nodeType="tmRoot"/>
+      </p:par>
+    </p:tnLst>
+  </p:timing>
+</p:sld>
+</file>
+
+<file path=ppt/slides/slide14.xml><?xml version="1.0" encoding="utf-8"?>
+<p:sld xmlns:a="http://schemas.openxmlformats.org/drawingml/2006/main" xmlns:r="http://schemas.openxmlformats.org/officeDocument/2006/relationships" xmlns:p="http://schemas.openxmlformats.org/presentationml/2006/main">
+  <p:cSld>
+    <p:spTree>
+      <p:nvGrpSpPr>
+        <p:cNvPr id="1" name=""/>
+        <p:cNvGrpSpPr/>
+        <p:nvPr/>
+      </p:nvGrpSpPr>
+      <p:grpSpPr>
+        <a:xfrm>
+          <a:off x="0" y="0"/>
+          <a:ext cx="0" cy="0"/>
+          <a:chOff x="0" y="0"/>
+          <a:chExt cx="0" cy="0"/>
+        </a:xfrm>
+      </p:grpSpPr>
+      <p:sp>
+        <p:nvSpPr>
+          <p:cNvPr id="2" name="Title 1"/>
+          <p:cNvSpPr>
+            <a:spLocks noGrp="1"/>
+          </p:cNvSpPr>
+          <p:nvPr>
+            <p:ph type="title"/>
+          </p:nvPr>
+        </p:nvSpPr>
+        <p:spPr/>
+        <p:txBody>
+          <a:bodyPr>
+            <a:normAutofit/>
+          </a:bodyPr>
+          <a:lstStyle/>
+          <a:p>
+            <a:r>
+              <a:rPr lang="nl-BE" dirty="0" smtClean="0">
+                <a:solidFill>
+                  <a:srgbClr val="663300">
+                    <a:alpha val="90000"/>
+                  </a:srgbClr>
+                </a:solidFill>
+                <a:latin typeface="Gill Sans MT" panose="020B0502020104020203" pitchFamily="34" charset="0"/>
+                <a:ea typeface="Verdana" panose="020B0604030504040204" pitchFamily="34" charset="0"/>
+                <a:cs typeface="Verdana" panose="020B0604030504040204" pitchFamily="34" charset="0"/>
+              </a:rPr>
+              <a:t>Problemen</a:t>
+            </a:r>
+            <a:endParaRPr lang="nl-BE" dirty="0">
+              <a:solidFill>
+                <a:srgbClr val="663300">
+                  <a:alpha val="90000"/>
+                </a:srgbClr>
+              </a:solidFill>
+              <a:latin typeface="Gill Sans MT" panose="020B0502020104020203" pitchFamily="34" charset="0"/>
+              <a:ea typeface="Verdana" panose="020B0604030504040204" pitchFamily="34" charset="0"/>
+              <a:cs typeface="Verdana" panose="020B0604030504040204" pitchFamily="34" charset="0"/>
+            </a:endParaRPr>
+          </a:p>
+        </p:txBody>
+      </p:sp>
+      <p:sp>
+        <p:nvSpPr>
+          <p:cNvPr id="3" name="Content Placeholder 2"/>
+          <p:cNvSpPr>
+            <a:spLocks noGrp="1"/>
+          </p:cNvSpPr>
+          <p:nvPr>
+            <p:ph idx="1"/>
+          </p:nvPr>
+        </p:nvSpPr>
+        <p:spPr/>
+        <p:txBody>
+          <a:bodyPr>
+            <a:normAutofit/>
+          </a:bodyPr>
+          <a:lstStyle/>
+          <a:p>
+            <a:endParaRPr lang="nl-BE" dirty="0" smtClean="0">
+              <a:solidFill>
+                <a:srgbClr val="663300">
+                  <a:alpha val="88000"/>
+                </a:srgbClr>
+              </a:solidFill>
+              <a:latin typeface="Gill Sans MT" panose="020B0502020104020203" pitchFamily="34" charset="0"/>
+            </a:endParaRPr>
+          </a:p>
+          <a:p>
+            <a:endParaRPr lang="nl-BE" dirty="0">
+              <a:solidFill>
+                <a:srgbClr val="663300">
+                  <a:alpha val="88000"/>
+                </a:srgbClr>
+              </a:solidFill>
+              <a:latin typeface="Gill Sans MT" panose="020B0502020104020203" pitchFamily="34" charset="0"/>
+            </a:endParaRPr>
+          </a:p>
+        </p:txBody>
+      </p:sp>
+      <p:pic>
+        <p:nvPicPr>
+          <p:cNvPr id="4" name="Picture 3"/>
+          <p:cNvPicPr>
+            <a:picLocks noChangeAspect="1"/>
+          </p:cNvPicPr>
+          <p:nvPr/>
+        </p:nvPicPr>
+        <p:blipFill>
+          <a:blip r:embed="rId2">
+            <a:extLst>
+              <a:ext uri="{28A0092B-C50C-407E-A947-70E740481C1C}">
+                <a14:useLocalDpi xmlns:a14="http://schemas.microsoft.com/office/drawing/2010/main" val="0"/>
+              </a:ext>
+            </a:extLst>
+          </a:blip>
+          <a:stretch>
+            <a:fillRect/>
+          </a:stretch>
+        </p:blipFill>
+        <p:spPr>
+          <a:xfrm>
+            <a:off x="1713888" y="2658081"/>
+            <a:ext cx="8764223" cy="2686425"/>
+          </a:xfrm>
+          <a:prstGeom prst="rect">
+            <a:avLst/>
+          </a:prstGeom>
+        </p:spPr>
+      </p:pic>
+    </p:spTree>
+    <p:extLst>
+      <p:ext uri="{BB962C8B-B14F-4D97-AF65-F5344CB8AC3E}">
+        <p14:creationId xmlns:p14="http://schemas.microsoft.com/office/powerpoint/2010/main" val="578500353"/>
+      </p:ext>
+    </p:extLst>
+  </p:cSld>
+  <p:clrMapOvr>
+    <a:masterClrMapping/>
+  </p:clrMapOvr>
+  <p:timing>
+    <p:tnLst>
+      <p:par>
+        <p:cTn id="1" dur="indefinite" restart="never" nodeType="tmRoot"/>
+      </p:par>
+    </p:tnLst>
+  </p:timing>
+</p:sld>
+</file>
+
+<file path=ppt/slides/slide15.xml><?xml version="1.0" encoding="utf-8"?>
+<p:sld xmlns:a="http://schemas.openxmlformats.org/drawingml/2006/main" xmlns:r="http://schemas.openxmlformats.org/officeDocument/2006/relationships" xmlns:p="http://schemas.openxmlformats.org/presentationml/2006/main">
+  <p:cSld>
+    <p:spTree>
+      <p:nvGrpSpPr>
+        <p:cNvPr id="1" name=""/>
+        <p:cNvGrpSpPr/>
+        <p:nvPr/>
+      </p:nvGrpSpPr>
+      <p:grpSpPr>
+        <a:xfrm>
+          <a:off x="0" y="0"/>
+          <a:ext cx="0" cy="0"/>
+          <a:chOff x="0" y="0"/>
+          <a:chExt cx="0" cy="0"/>
+        </a:xfrm>
+      </p:grpSpPr>
+      <p:sp>
+        <p:nvSpPr>
+          <p:cNvPr id="2" name="Title 1"/>
+          <p:cNvSpPr>
+            <a:spLocks noGrp="1"/>
+          </p:cNvSpPr>
+          <p:nvPr>
+            <p:ph type="title"/>
+          </p:nvPr>
+        </p:nvSpPr>
+        <p:spPr/>
+        <p:txBody>
+          <a:bodyPr>
+            <a:normAutofit/>
+          </a:bodyPr>
+          <a:lstStyle/>
+          <a:p>
+            <a:r>
+              <a:rPr lang="nl-BE" dirty="0" smtClean="0">
+                <a:solidFill>
+                  <a:srgbClr val="663300">
+                    <a:alpha val="90000"/>
+                  </a:srgbClr>
+                </a:solidFill>
+                <a:latin typeface="Gill Sans MT" panose="020B0502020104020203" pitchFamily="34" charset="0"/>
+                <a:ea typeface="Verdana" panose="020B0604030504040204" pitchFamily="34" charset="0"/>
+                <a:cs typeface="Verdana" panose="020B0604030504040204" pitchFamily="34" charset="0"/>
+              </a:rPr>
+              <a:t>Problemen</a:t>
+            </a:r>
+            <a:endParaRPr lang="nl-BE" dirty="0">
+              <a:solidFill>
+                <a:srgbClr val="663300">
+                  <a:alpha val="90000"/>
+                </a:srgbClr>
+              </a:solidFill>
+              <a:latin typeface="Gill Sans MT" panose="020B0502020104020203" pitchFamily="34" charset="0"/>
+              <a:ea typeface="Verdana" panose="020B0604030504040204" pitchFamily="34" charset="0"/>
+              <a:cs typeface="Verdana" panose="020B0604030504040204" pitchFamily="34" charset="0"/>
+            </a:endParaRPr>
+          </a:p>
+        </p:txBody>
+      </p:sp>
+      <p:sp>
+        <p:nvSpPr>
+          <p:cNvPr id="3" name="Content Placeholder 2"/>
+          <p:cNvSpPr>
+            <a:spLocks noGrp="1"/>
+          </p:cNvSpPr>
+          <p:nvPr>
+            <p:ph idx="1"/>
+          </p:nvPr>
+        </p:nvSpPr>
+        <p:spPr/>
+        <p:txBody>
+          <a:bodyPr>
+            <a:normAutofit/>
+          </a:bodyPr>
+          <a:lstStyle/>
+          <a:p>
+            <a:endParaRPr lang="nl-BE" dirty="0" smtClean="0">
+              <a:solidFill>
+                <a:srgbClr val="663300">
+                  <a:alpha val="88000"/>
+                </a:srgbClr>
+              </a:solidFill>
+              <a:latin typeface="Gill Sans MT" panose="020B0502020104020203" pitchFamily="34" charset="0"/>
+            </a:endParaRPr>
+          </a:p>
+          <a:p>
+            <a:endParaRPr lang="nl-BE" dirty="0">
+              <a:solidFill>
+                <a:srgbClr val="663300">
+                  <a:alpha val="88000"/>
+                </a:srgbClr>
+              </a:solidFill>
+              <a:latin typeface="Gill Sans MT" panose="020B0502020104020203" pitchFamily="34" charset="0"/>
+            </a:endParaRPr>
+          </a:p>
+        </p:txBody>
+      </p:sp>
+      <p:pic>
+        <p:nvPicPr>
+          <p:cNvPr id="6" name="Picture 5"/>
+          <p:cNvPicPr>
+            <a:picLocks noChangeAspect="1"/>
+          </p:cNvPicPr>
+          <p:nvPr/>
+        </p:nvPicPr>
+        <p:blipFill>
+          <a:blip r:embed="rId2">
+            <a:extLst>
+              <a:ext uri="{28A0092B-C50C-407E-A947-70E740481C1C}">
+                <a14:useLocalDpi xmlns:a14="http://schemas.microsoft.com/office/drawing/2010/main" val="0"/>
+              </a:ext>
+            </a:extLst>
+          </a:blip>
+          <a:stretch>
+            <a:fillRect/>
+          </a:stretch>
+        </p:blipFill>
+        <p:spPr>
+          <a:xfrm>
+            <a:off x="1594809" y="1867396"/>
+            <a:ext cx="9002381" cy="4267796"/>
+          </a:xfrm>
+          <a:prstGeom prst="rect">
+            <a:avLst/>
+          </a:prstGeom>
+        </p:spPr>
+      </p:pic>
+    </p:spTree>
+    <p:extLst>
+      <p:ext uri="{BB962C8B-B14F-4D97-AF65-F5344CB8AC3E}">
+        <p14:creationId xmlns:p14="http://schemas.microsoft.com/office/powerpoint/2010/main" val="2868354770"/>
+      </p:ext>
+    </p:extLst>
+  </p:cSld>
+  <p:clrMapOvr>
+    <a:masterClrMapping/>
+  </p:clrMapOvr>
+  <p:timing>
+    <p:tnLst>
+      <p:par>
+        <p:cTn id="1" dur="indefinite" restart="never" nodeType="tmRoot"/>
+      </p:par>
+    </p:tnLst>
+  </p:timing>
+</p:sld>
+</file>
+
+<file path=ppt/slides/slide16.xml><?xml version="1.0" encoding="utf-8"?>
+<p:sld xmlns:a="http://schemas.openxmlformats.org/drawingml/2006/main" xmlns:r="http://schemas.openxmlformats.org/officeDocument/2006/relationships" xmlns:p="http://schemas.openxmlformats.org/presentationml/2006/main">
+  <p:cSld>
+    <p:spTree>
+      <p:nvGrpSpPr>
+        <p:cNvPr id="1" name=""/>
+        <p:cNvGrpSpPr/>
+        <p:nvPr/>
+      </p:nvGrpSpPr>
+      <p:grpSpPr>
+        <a:xfrm>
+          <a:off x="0" y="0"/>
+          <a:ext cx="0" cy="0"/>
+          <a:chOff x="0" y="0"/>
+          <a:chExt cx="0" cy="0"/>
+        </a:xfrm>
+      </p:grpSpPr>
+      <p:sp>
+        <p:nvSpPr>
+          <p:cNvPr id="2" name="Title 1"/>
+          <p:cNvSpPr>
+            <a:spLocks noGrp="1"/>
+          </p:cNvSpPr>
+          <p:nvPr>
+            <p:ph type="ctrTitle"/>
+          </p:nvPr>
+        </p:nvSpPr>
+        <p:spPr/>
+        <p:txBody>
+          <a:bodyPr>
+            <a:normAutofit/>
+          </a:bodyPr>
+          <a:lstStyle/>
+          <a:p>
+            <a:pPr algn="l"/>
+            <a:r>
+              <a:rPr lang="en-CA" dirty="0" err="1" smtClean="0">
+                <a:solidFill>
+                  <a:srgbClr val="663300">
+                    <a:alpha val="90000"/>
+                  </a:srgbClr>
+                </a:solidFill>
+                <a:latin typeface="Gill Sans MT" panose="020B0502020104020203" pitchFamily="34" charset="0"/>
+                <a:ea typeface="Verdana" panose="020B0604030504040204" pitchFamily="34" charset="0"/>
+                <a:cs typeface="Verdana" panose="020B0604030504040204" pitchFamily="34" charset="0"/>
+              </a:rPr>
+              <a:t>Vragen</a:t>
+            </a:r>
+            <a:r>
+              <a:rPr lang="en-CA" dirty="0" smtClean="0">
+                <a:solidFill>
+                  <a:srgbClr val="663300">
+                    <a:alpha val="90000"/>
+                  </a:srgbClr>
+                </a:solidFill>
+                <a:latin typeface="Gill Sans MT" panose="020B0502020104020203" pitchFamily="34" charset="0"/>
+                <a:ea typeface="Verdana" panose="020B0604030504040204" pitchFamily="34" charset="0"/>
+                <a:cs typeface="Verdana" panose="020B0604030504040204" pitchFamily="34" charset="0"/>
+              </a:rPr>
+              <a:t>?</a:t>
+            </a:r>
+            <a:endParaRPr lang="de-DE" dirty="0">
+              <a:solidFill>
+                <a:srgbClr val="663300">
+                  <a:alpha val="90000"/>
+                </a:srgbClr>
+              </a:solidFill>
+              <a:latin typeface="Gill Sans MT" panose="020B0502020104020203" pitchFamily="34" charset="0"/>
+              <a:ea typeface="Verdana" panose="020B0604030504040204" pitchFamily="34" charset="0"/>
+              <a:cs typeface="Verdana" panose="020B0604030504040204" pitchFamily="34" charset="0"/>
+            </a:endParaRPr>
+          </a:p>
+        </p:txBody>
+      </p:sp>
+      <p:sp>
+        <p:nvSpPr>
+          <p:cNvPr id="3" name="Subtitle 2"/>
+          <p:cNvSpPr>
+            <a:spLocks noGrp="1"/>
+          </p:cNvSpPr>
+          <p:nvPr>
+            <p:ph type="subTitle" idx="1"/>
+          </p:nvPr>
+        </p:nvSpPr>
+        <p:spPr/>
+        <p:txBody>
+          <a:bodyPr/>
+          <a:lstStyle/>
+          <a:p>
+            <a:pPr algn="r"/>
+            <a:endParaRPr lang="de-DE" dirty="0">
+              <a:solidFill>
+                <a:srgbClr val="663300">
+                  <a:alpha val="80000"/>
+                </a:srgbClr>
+              </a:solidFill>
+              <a:latin typeface="Gill Sans MT" panose="020B0502020104020203" pitchFamily="34" charset="0"/>
+            </a:endParaRPr>
+          </a:p>
+        </p:txBody>
+      </p:sp>
+    </p:spTree>
+    <p:extLst>
+      <p:ext uri="{BB962C8B-B14F-4D97-AF65-F5344CB8AC3E}">
+        <p14:creationId xmlns:p14="http://schemas.microsoft.com/office/powerpoint/2010/main" val="3492012506"/>
+      </p:ext>
+    </p:extLst>
+  </p:cSld>
+  <p:clrMapOvr>
+    <a:masterClrMapping/>
+  </p:clrMapOvr>
+  <p:timing>
+    <p:tnLst>
+      <p:par>
+        <p:cTn id="1" dur="indefinite" restart="never" nodeType="tmRoot"/>
+      </p:par>
+    </p:tnLst>
+  </p:timing>
+</p:sld>
+</file>
+
 <file path=ppt/slides/slide2.xml><?xml version="1.0" encoding="utf-8"?>
+<p:sld xmlns:a="http://schemas.openxmlformats.org/drawingml/2006/main" xmlns:r="http://schemas.openxmlformats.org/officeDocument/2006/relationships" xmlns:p="http://schemas.openxmlformats.org/presentationml/2006/main">
+  <p:cSld>
+    <p:spTree>
+      <p:nvGrpSpPr>
+        <p:cNvPr id="1" name=""/>
+        <p:cNvGrpSpPr/>
+        <p:nvPr/>
+      </p:nvGrpSpPr>
+      <p:grpSpPr>
+        <a:xfrm>
+          <a:off x="0" y="0"/>
+          <a:ext cx="0" cy="0"/>
+          <a:chOff x="0" y="0"/>
+          <a:chExt cx="0" cy="0"/>
+        </a:xfrm>
+      </p:grpSpPr>
+      <p:sp>
+        <p:nvSpPr>
+          <p:cNvPr id="2" name="Title 1"/>
+          <p:cNvSpPr>
+            <a:spLocks noGrp="1"/>
+          </p:cNvSpPr>
+          <p:nvPr>
+            <p:ph type="title"/>
+          </p:nvPr>
+        </p:nvSpPr>
+        <p:spPr/>
+        <p:txBody>
+          <a:bodyPr>
+            <a:normAutofit/>
+          </a:bodyPr>
+          <a:lstStyle/>
+          <a:p>
+            <a:r>
+              <a:rPr lang="en-US" dirty="0" err="1" smtClean="0">
+                <a:solidFill>
+                  <a:srgbClr val="663300">
+                    <a:alpha val="90000"/>
+                  </a:srgbClr>
+                </a:solidFill>
+                <a:latin typeface="Gill Sans MT" panose="020B0502020104020203" pitchFamily="34" charset="0"/>
+                <a:ea typeface="Verdana" panose="020B0604030504040204" pitchFamily="34" charset="0"/>
+                <a:cs typeface="Verdana" panose="020B0604030504040204" pitchFamily="34" charset="0"/>
+              </a:rPr>
+              <a:t>Overzicht</a:t>
+            </a:r>
+            <a:endParaRPr lang="de-DE" dirty="0">
+              <a:solidFill>
+                <a:srgbClr val="663300">
+                  <a:alpha val="90000"/>
+                </a:srgbClr>
+              </a:solidFill>
+              <a:latin typeface="Gill Sans MT" panose="020B0502020104020203" pitchFamily="34" charset="0"/>
+              <a:ea typeface="Verdana" panose="020B0604030504040204" pitchFamily="34" charset="0"/>
+              <a:cs typeface="Verdana" panose="020B0604030504040204" pitchFamily="34" charset="0"/>
+            </a:endParaRPr>
+          </a:p>
+        </p:txBody>
+      </p:sp>
+      <p:sp>
+        <p:nvSpPr>
+          <p:cNvPr id="3" name="Content Placeholder 2"/>
+          <p:cNvSpPr>
+            <a:spLocks noGrp="1"/>
+          </p:cNvSpPr>
+          <p:nvPr>
+            <p:ph idx="1"/>
+          </p:nvPr>
+        </p:nvSpPr>
+        <p:spPr/>
+        <p:txBody>
+          <a:bodyPr>
+            <a:normAutofit/>
+          </a:bodyPr>
+          <a:lstStyle/>
+          <a:p>
+            <a:r>
+              <a:rPr lang="en-US" dirty="0" err="1" smtClean="0">
+                <a:solidFill>
+                  <a:srgbClr val="663300">
+                    <a:alpha val="88000"/>
+                  </a:srgbClr>
+                </a:solidFill>
+                <a:latin typeface="Gill Sans MT" panose="020B0502020104020203" pitchFamily="34" charset="0"/>
+              </a:rPr>
+              <a:t>Bedrijf</a:t>
+            </a:r>
+            <a:endParaRPr lang="en-US" dirty="0" smtClean="0">
+              <a:solidFill>
+                <a:srgbClr val="663300">
+                  <a:alpha val="88000"/>
+                </a:srgbClr>
+              </a:solidFill>
+              <a:latin typeface="Gill Sans MT" panose="020B0502020104020203" pitchFamily="34" charset="0"/>
+            </a:endParaRPr>
+          </a:p>
+          <a:p>
+            <a:r>
+              <a:rPr lang="en-US" dirty="0" err="1" smtClean="0">
+                <a:solidFill>
+                  <a:srgbClr val="663300">
+                    <a:alpha val="88000"/>
+                  </a:srgbClr>
+                </a:solidFill>
+                <a:latin typeface="Gill Sans MT" panose="020B0502020104020203" pitchFamily="34" charset="0"/>
+              </a:rPr>
+              <a:t>Probleemstelling</a:t>
+            </a:r>
+            <a:endParaRPr lang="en-US" dirty="0" smtClean="0">
+              <a:solidFill>
+                <a:srgbClr val="663300">
+                  <a:alpha val="88000"/>
+                </a:srgbClr>
+              </a:solidFill>
+              <a:latin typeface="Gill Sans MT" panose="020B0502020104020203" pitchFamily="34" charset="0"/>
+            </a:endParaRPr>
+          </a:p>
+          <a:p>
+            <a:r>
+              <a:rPr lang="en-US" dirty="0" err="1" smtClean="0">
+                <a:solidFill>
+                  <a:srgbClr val="663300">
+                    <a:alpha val="88000"/>
+                  </a:srgbClr>
+                </a:solidFill>
+                <a:latin typeface="Gill Sans MT" panose="020B0502020104020203" pitchFamily="34" charset="0"/>
+              </a:rPr>
+              <a:t>Doelstellingen</a:t>
+            </a:r>
+            <a:endParaRPr lang="en-US" dirty="0" smtClean="0">
+              <a:solidFill>
+                <a:srgbClr val="663300">
+                  <a:alpha val="88000"/>
+                </a:srgbClr>
+              </a:solidFill>
+              <a:latin typeface="Gill Sans MT" panose="020B0502020104020203" pitchFamily="34" charset="0"/>
+            </a:endParaRPr>
+          </a:p>
+          <a:p>
+            <a:r>
+              <a:rPr lang="en-US" dirty="0" err="1" smtClean="0">
+                <a:solidFill>
+                  <a:srgbClr val="663300">
+                    <a:alpha val="88000"/>
+                  </a:srgbClr>
+                </a:solidFill>
+                <a:latin typeface="Gill Sans MT" panose="020B0502020104020203" pitchFamily="34" charset="0"/>
+              </a:rPr>
+              <a:t>Oplossingsmethode</a:t>
+            </a:r>
+            <a:endParaRPr lang="en-US" dirty="0" smtClean="0">
+              <a:solidFill>
+                <a:srgbClr val="663300">
+                  <a:alpha val="88000"/>
+                </a:srgbClr>
+              </a:solidFill>
+              <a:latin typeface="Gill Sans MT" panose="020B0502020104020203" pitchFamily="34" charset="0"/>
+            </a:endParaRPr>
+          </a:p>
+          <a:p>
+            <a:r>
+              <a:rPr lang="en-US" dirty="0" smtClean="0">
+                <a:solidFill>
+                  <a:srgbClr val="663300">
+                    <a:alpha val="88000"/>
+                  </a:srgbClr>
+                </a:solidFill>
+                <a:latin typeface="Gill Sans MT" panose="020B0502020104020203" pitchFamily="34" charset="0"/>
+              </a:rPr>
+              <a:t>Planning</a:t>
+            </a:r>
+          </a:p>
+          <a:p>
+            <a:r>
+              <a:rPr lang="en-US" dirty="0" err="1" smtClean="0">
+                <a:solidFill>
+                  <a:srgbClr val="663300">
+                    <a:alpha val="88000"/>
+                  </a:srgbClr>
+                </a:solidFill>
+                <a:latin typeface="Gill Sans MT" panose="020B0502020104020203" pitchFamily="34" charset="0"/>
+              </a:rPr>
+              <a:t>Problemen</a:t>
+            </a:r>
+            <a:endParaRPr lang="en-US" dirty="0" smtClean="0">
+              <a:solidFill>
+                <a:srgbClr val="663300">
+                  <a:alpha val="88000"/>
+                </a:srgbClr>
+              </a:solidFill>
+              <a:latin typeface="Gill Sans MT" panose="020B0502020104020203" pitchFamily="34" charset="0"/>
+            </a:endParaRPr>
+          </a:p>
+          <a:p>
+            <a:r>
+              <a:rPr lang="en-US" dirty="0" err="1" smtClean="0">
+                <a:solidFill>
+                  <a:srgbClr val="663300">
+                    <a:alpha val="88000"/>
+                  </a:srgbClr>
+                </a:solidFill>
+                <a:latin typeface="Gill Sans MT" panose="020B0502020104020203" pitchFamily="34" charset="0"/>
+              </a:rPr>
+              <a:t>Vragen</a:t>
+            </a:r>
+            <a:endParaRPr lang="en-US" dirty="0" smtClean="0">
+              <a:solidFill>
+                <a:srgbClr val="663300">
+                  <a:alpha val="88000"/>
+                </a:srgbClr>
+              </a:solidFill>
+              <a:latin typeface="Gill Sans MT" panose="020B0502020104020203" pitchFamily="34" charset="0"/>
+            </a:endParaRPr>
+          </a:p>
+          <a:p>
+            <a:endParaRPr lang="de-DE" dirty="0">
+              <a:solidFill>
+                <a:srgbClr val="663300">
+                  <a:alpha val="88000"/>
+                </a:srgbClr>
+              </a:solidFill>
+              <a:latin typeface="Gill Sans MT" panose="020B0502020104020203" pitchFamily="34" charset="0"/>
+            </a:endParaRPr>
+          </a:p>
+        </p:txBody>
+      </p:sp>
+    </p:spTree>
+    <p:extLst>
+      <p:ext uri="{BB962C8B-B14F-4D97-AF65-F5344CB8AC3E}">
+        <p14:creationId xmlns:p14="http://schemas.microsoft.com/office/powerpoint/2010/main" val="4016776567"/>
+      </p:ext>
+    </p:extLst>
+  </p:cSld>
+  <p:clrMapOvr>
+    <a:masterClrMapping/>
+  </p:clrMapOvr>
+  <p:timing>
+    <p:tnLst>
+      <p:par>
+        <p:cTn id="1" dur="indefinite" restart="never" nodeType="tmRoot"/>
+      </p:par>
+    </p:tnLst>
+  </p:timing>
+</p:sld>
+</file>
+
+<file path=ppt/slides/slide3.xml><?xml version="1.0" encoding="utf-8"?>
+<p:sld xmlns:a="http://schemas.openxmlformats.org/drawingml/2006/main" xmlns:r="http://schemas.openxmlformats.org/officeDocument/2006/relationships" xmlns:p="http://schemas.openxmlformats.org/presentationml/2006/main" show="0">
+  <p:cSld>
+    <p:bg>
+      <p:bgPr>
+        <a:solidFill>
+          <a:schemeClr val="accent6">
+            <a:alpha val="8000"/>
+          </a:schemeClr>
+        </a:solidFill>
+        <a:effectLst/>
+      </p:bgPr>
+    </p:bg>
+    <p:spTree>
+      <p:nvGrpSpPr>
+        <p:cNvPr id="1" name=""/>
+        <p:cNvGrpSpPr/>
+        <p:nvPr/>
+      </p:nvGrpSpPr>
+      <p:grpSpPr>
+        <a:xfrm>
+          <a:off x="0" y="0"/>
+          <a:ext cx="0" cy="0"/>
+          <a:chOff x="0" y="0"/>
+          <a:chExt cx="0" cy="0"/>
+        </a:xfrm>
+      </p:grpSpPr>
+      <p:sp>
+        <p:nvSpPr>
+          <p:cNvPr id="2" name="Title 1"/>
+          <p:cNvSpPr>
+            <a:spLocks noGrp="1"/>
+          </p:cNvSpPr>
+          <p:nvPr>
+            <p:ph type="title"/>
+          </p:nvPr>
+        </p:nvSpPr>
+        <p:spPr/>
+        <p:txBody>
+          <a:bodyPr>
+            <a:normAutofit/>
+          </a:bodyPr>
+          <a:lstStyle/>
+          <a:p>
+            <a:r>
+              <a:rPr lang="nl-BE" dirty="0" smtClean="0">
+                <a:solidFill>
+                  <a:srgbClr val="663300">
+                    <a:alpha val="90000"/>
+                  </a:srgbClr>
+                </a:solidFill>
+                <a:latin typeface="Gill Sans MT" panose="020B0502020104020203" pitchFamily="34" charset="0"/>
+                <a:ea typeface="Verdana" panose="020B0604030504040204" pitchFamily="34" charset="0"/>
+                <a:cs typeface="Verdana" panose="020B0604030504040204" pitchFamily="34" charset="0"/>
+              </a:rPr>
+              <a:t>Waar</a:t>
+            </a:r>
+            <a:r>
+              <a:rPr lang="en-US" dirty="0" smtClean="0">
+                <a:solidFill>
+                  <a:srgbClr val="663300">
+                    <a:alpha val="90000"/>
+                  </a:srgbClr>
+                </a:solidFill>
+                <a:latin typeface="Gill Sans MT" panose="020B0502020104020203" pitchFamily="34" charset="0"/>
+                <a:ea typeface="Verdana" panose="020B0604030504040204" pitchFamily="34" charset="0"/>
+                <a:cs typeface="Verdana" panose="020B0604030504040204" pitchFamily="34" charset="0"/>
+              </a:rPr>
+              <a:t>?</a:t>
+            </a:r>
+            <a:endParaRPr lang="de-DE" dirty="0">
+              <a:solidFill>
+                <a:srgbClr val="663300">
+                  <a:alpha val="90000"/>
+                </a:srgbClr>
+              </a:solidFill>
+              <a:latin typeface="Gill Sans MT" panose="020B0502020104020203" pitchFamily="34" charset="0"/>
+              <a:ea typeface="Verdana" panose="020B0604030504040204" pitchFamily="34" charset="0"/>
+              <a:cs typeface="Verdana" panose="020B0604030504040204" pitchFamily="34" charset="0"/>
+            </a:endParaRPr>
+          </a:p>
+        </p:txBody>
+      </p:sp>
+      <p:sp>
+        <p:nvSpPr>
+          <p:cNvPr id="3" name="Content Placeholder 2"/>
+          <p:cNvSpPr>
+            <a:spLocks noGrp="1"/>
+          </p:cNvSpPr>
+          <p:nvPr>
+            <p:ph idx="1"/>
+          </p:nvPr>
+        </p:nvSpPr>
+        <p:spPr/>
+        <p:txBody>
+          <a:bodyPr>
+            <a:normAutofit/>
+          </a:bodyPr>
+          <a:lstStyle/>
+          <a:p>
+            <a:r>
+              <a:rPr lang="en-US" dirty="0">
+                <a:solidFill>
+                  <a:srgbClr val="663300">
+                    <a:alpha val="88000"/>
+                  </a:srgbClr>
+                </a:solidFill>
+                <a:latin typeface="Gill Sans MT" panose="020B0502020104020203" pitchFamily="34" charset="0"/>
+              </a:rPr>
+              <a:t>VASCO data </a:t>
+            </a:r>
+            <a:r>
+              <a:rPr lang="en-US" dirty="0" smtClean="0">
+                <a:solidFill>
+                  <a:srgbClr val="663300">
+                    <a:alpha val="88000"/>
+                  </a:srgbClr>
+                </a:solidFill>
+                <a:latin typeface="Gill Sans MT" panose="020B0502020104020203" pitchFamily="34" charset="0"/>
+              </a:rPr>
+              <a:t>security</a:t>
+            </a:r>
+          </a:p>
+          <a:p>
+            <a:pPr lvl="1"/>
+            <a:r>
+              <a:rPr lang="en-US" dirty="0" smtClean="0">
+                <a:solidFill>
+                  <a:srgbClr val="663300">
+                    <a:alpha val="88000"/>
+                  </a:srgbClr>
+                </a:solidFill>
+                <a:latin typeface="Gill Sans MT" panose="020B0502020104020203" pitchFamily="34" charset="0"/>
+              </a:rPr>
+              <a:t>Quality Assurance</a:t>
+            </a:r>
+          </a:p>
+          <a:p>
+            <a:pPr lvl="1"/>
+            <a:r>
+              <a:rPr lang="en-US" dirty="0" smtClean="0">
+                <a:solidFill>
+                  <a:srgbClr val="663300">
+                    <a:alpha val="88000"/>
+                  </a:srgbClr>
+                </a:solidFill>
+                <a:latin typeface="Gill Sans MT" panose="020B0502020104020203" pitchFamily="34" charset="0"/>
+              </a:rPr>
+              <a:t>Software Deployment and Testing Framework (SDTF)</a:t>
+            </a:r>
+          </a:p>
+          <a:p>
+            <a:r>
+              <a:rPr lang="en-US" dirty="0" err="1" smtClean="0">
+                <a:solidFill>
+                  <a:srgbClr val="663300">
+                    <a:alpha val="88000"/>
+                  </a:srgbClr>
+                </a:solidFill>
+                <a:latin typeface="Gill Sans MT" panose="020B0502020104020203" pitchFamily="34" charset="0"/>
+              </a:rPr>
+              <a:t>Producten</a:t>
+            </a:r>
+            <a:r>
+              <a:rPr lang="en-US" dirty="0" smtClean="0">
+                <a:solidFill>
+                  <a:srgbClr val="663300">
+                    <a:alpha val="88000"/>
+                  </a:srgbClr>
+                </a:solidFill>
+                <a:latin typeface="Gill Sans MT" panose="020B0502020104020203" pitchFamily="34" charset="0"/>
+              </a:rPr>
+              <a:t> </a:t>
+            </a:r>
+            <a:r>
+              <a:rPr lang="en-US" dirty="0" err="1" smtClean="0">
+                <a:solidFill>
+                  <a:srgbClr val="663300">
+                    <a:alpha val="88000"/>
+                  </a:srgbClr>
+                </a:solidFill>
+                <a:latin typeface="Gill Sans MT" panose="020B0502020104020203" pitchFamily="34" charset="0"/>
+              </a:rPr>
+              <a:t>rond</a:t>
+            </a:r>
+            <a:r>
+              <a:rPr lang="en-US" dirty="0" smtClean="0">
+                <a:solidFill>
+                  <a:srgbClr val="663300">
+                    <a:alpha val="88000"/>
+                  </a:srgbClr>
+                </a:solidFill>
+                <a:latin typeface="Gill Sans MT" panose="020B0502020104020203" pitchFamily="34" charset="0"/>
+              </a:rPr>
+              <a:t> </a:t>
+            </a:r>
+            <a:r>
+              <a:rPr lang="en-US" dirty="0" err="1" smtClean="0">
+                <a:solidFill>
+                  <a:srgbClr val="663300">
+                    <a:alpha val="88000"/>
+                  </a:srgbClr>
+                </a:solidFill>
+                <a:latin typeface="Gill Sans MT" panose="020B0502020104020203" pitchFamily="34" charset="0"/>
+              </a:rPr>
+              <a:t>o.a</a:t>
+            </a:r>
+            <a:r>
+              <a:rPr lang="en-US" dirty="0" smtClean="0">
+                <a:solidFill>
+                  <a:srgbClr val="663300">
+                    <a:alpha val="88000"/>
+                  </a:srgbClr>
+                </a:solidFill>
+                <a:latin typeface="Gill Sans MT" panose="020B0502020104020203" pitchFamily="34" charset="0"/>
+              </a:rPr>
+              <a:t>.</a:t>
+            </a:r>
+          </a:p>
+          <a:p>
+            <a:pPr lvl="1"/>
+            <a:r>
+              <a:rPr lang="en-US" dirty="0" smtClean="0">
+                <a:solidFill>
+                  <a:srgbClr val="663300">
+                    <a:alpha val="88000"/>
+                  </a:srgbClr>
+                </a:solidFill>
+                <a:latin typeface="Gill Sans MT" panose="020B0502020104020203" pitchFamily="34" charset="0"/>
+              </a:rPr>
+              <a:t>Mobile banking security</a:t>
+            </a:r>
+          </a:p>
+          <a:p>
+            <a:pPr lvl="1"/>
+            <a:r>
+              <a:rPr lang="en-US" dirty="0" smtClean="0">
+                <a:solidFill>
+                  <a:srgbClr val="663300">
+                    <a:alpha val="88000"/>
+                  </a:srgbClr>
+                </a:solidFill>
+                <a:latin typeface="Gill Sans MT" panose="020B0502020104020203" pitchFamily="34" charset="0"/>
+              </a:rPr>
+              <a:t>Multi-factor authentication</a:t>
+            </a:r>
+          </a:p>
+          <a:p>
+            <a:pPr lvl="1"/>
+            <a:r>
+              <a:rPr lang="en-US" dirty="0" smtClean="0">
+                <a:solidFill>
+                  <a:srgbClr val="663300">
+                    <a:alpha val="88000"/>
+                  </a:srgbClr>
+                </a:solidFill>
+                <a:latin typeface="Gill Sans MT" panose="020B0502020104020203" pitchFamily="34" charset="0"/>
+              </a:rPr>
+              <a:t>E-signatures</a:t>
+            </a:r>
+            <a:endParaRPr lang="de-DE" dirty="0">
+              <a:solidFill>
+                <a:srgbClr val="663300">
+                  <a:alpha val="88000"/>
+                </a:srgbClr>
+              </a:solidFill>
+              <a:latin typeface="Gill Sans MT" panose="020B0502020104020203" pitchFamily="34" charset="0"/>
+            </a:endParaRPr>
+          </a:p>
+        </p:txBody>
+      </p:sp>
+      <p:pic>
+        <p:nvPicPr>
+          <p:cNvPr id="4" name="Picture 3"/>
+          <p:cNvPicPr>
+            <a:picLocks noChangeAspect="1"/>
+          </p:cNvPicPr>
+          <p:nvPr/>
+        </p:nvPicPr>
+        <p:blipFill>
+          <a:blip r:embed="rId3">
+            <a:extLst>
+              <a:ext uri="{28A0092B-C50C-407E-A947-70E740481C1C}">
+                <a14:useLocalDpi xmlns:a14="http://schemas.microsoft.com/office/drawing/2010/main" val="0"/>
+              </a:ext>
+            </a:extLst>
+          </a:blip>
+          <a:stretch>
+            <a:fillRect/>
+          </a:stretch>
+        </p:blipFill>
+        <p:spPr>
+          <a:xfrm>
+            <a:off x="6102723" y="1379724"/>
+            <a:ext cx="3741903" cy="2026864"/>
+          </a:xfrm>
+          <a:prstGeom prst="rect">
+            <a:avLst/>
+          </a:prstGeom>
+        </p:spPr>
+      </p:pic>
+    </p:spTree>
+    <p:extLst>
+      <p:ext uri="{BB962C8B-B14F-4D97-AF65-F5344CB8AC3E}">
+        <p14:creationId xmlns:p14="http://schemas.microsoft.com/office/powerpoint/2010/main" val="3575134028"/>
+      </p:ext>
+    </p:extLst>
+  </p:cSld>
+  <p:clrMapOvr>
+    <a:overrideClrMapping bg1="lt1" tx1="dk1" bg2="lt2" tx2="dk2" accent1="accent1" accent2="accent2" accent3="accent3" accent4="accent4" accent5="accent5" accent6="accent6" hlink="hlink" folHlink="folHlink"/>
+  </p:clrMapOvr>
+  <mc:AlternateContent xmlns:mc="http://schemas.openxmlformats.org/markup-compatibility/2006" xmlns:p14="http://schemas.microsoft.com/office/powerpoint/2010/main">
+    <mc:Choice Requires="p14">
+      <p:transition spd="slow" p14:dur="2000"/>
+    </mc:Choice>
+    <mc:Fallback xmlns="">
+      <p:transition spd="slow"/>
+    </mc:Fallback>
+  </mc:AlternateContent>
+  <p:timing>
+    <p:tnLst>
+      <p:par>
+        <p:cTn id="1" dur="indefinite" restart="never" nodeType="tmRoot"/>
+      </p:par>
+    </p:tnLst>
+  </p:timing>
+</p:sld>
+</file>
+
+<file path=ppt/slides/slide4.xml><?xml version="1.0" encoding="utf-8"?>
+<p:sld xmlns:a="http://schemas.openxmlformats.org/drawingml/2006/main" xmlns:r="http://schemas.openxmlformats.org/officeDocument/2006/relationships" xmlns:p="http://schemas.openxmlformats.org/presentationml/2006/main">
+  <p:cSld>
+    <p:spTree>
+      <p:nvGrpSpPr>
+        <p:cNvPr id="1" name=""/>
+        <p:cNvGrpSpPr/>
+        <p:nvPr/>
+      </p:nvGrpSpPr>
+      <p:grpSpPr>
+        <a:xfrm>
+          <a:off x="0" y="0"/>
+          <a:ext cx="0" cy="0"/>
+          <a:chOff x="0" y="0"/>
+          <a:chExt cx="0" cy="0"/>
+        </a:xfrm>
+      </p:grpSpPr>
+      <p:sp>
+        <p:nvSpPr>
+          <p:cNvPr id="2" name="Title 1"/>
+          <p:cNvSpPr>
+            <a:spLocks noGrp="1"/>
+          </p:cNvSpPr>
+          <p:nvPr>
+            <p:ph type="title"/>
+          </p:nvPr>
+        </p:nvSpPr>
+        <p:spPr/>
+        <p:txBody>
+          <a:bodyPr>
+            <a:normAutofit/>
+          </a:bodyPr>
+          <a:lstStyle/>
+          <a:p>
+            <a:endParaRPr lang="de-DE" dirty="0">
+              <a:solidFill>
+                <a:srgbClr val="663300">
+                  <a:alpha val="90000"/>
+                </a:srgbClr>
+              </a:solidFill>
+              <a:latin typeface="Gill Sans MT" panose="020B0502020104020203" pitchFamily="34" charset="0"/>
+              <a:ea typeface="Verdana" panose="020B0604030504040204" pitchFamily="34" charset="0"/>
+              <a:cs typeface="Verdana" panose="020B0604030504040204" pitchFamily="34" charset="0"/>
+            </a:endParaRPr>
+          </a:p>
+        </p:txBody>
+      </p:sp>
+      <p:sp>
+        <p:nvSpPr>
+          <p:cNvPr id="3" name="Content Placeholder 2"/>
+          <p:cNvSpPr>
+            <a:spLocks noGrp="1"/>
+          </p:cNvSpPr>
+          <p:nvPr>
+            <p:ph idx="1"/>
+          </p:nvPr>
+        </p:nvSpPr>
+        <p:spPr/>
+        <p:txBody>
+          <a:bodyPr>
+            <a:normAutofit/>
+          </a:bodyPr>
+          <a:lstStyle/>
+          <a:p>
+            <a:endParaRPr lang="de-DE" dirty="0">
+              <a:solidFill>
+                <a:srgbClr val="663300">
+                  <a:alpha val="88000"/>
+                </a:srgbClr>
+              </a:solidFill>
+              <a:latin typeface="Gill Sans MT" panose="020B0502020104020203" pitchFamily="34" charset="0"/>
+            </a:endParaRPr>
+          </a:p>
+        </p:txBody>
+      </p:sp>
+      <p:pic>
+        <p:nvPicPr>
+          <p:cNvPr id="4" name="Picture 3"/>
+          <p:cNvPicPr>
+            <a:picLocks noChangeAspect="1"/>
+          </p:cNvPicPr>
+          <p:nvPr/>
+        </p:nvPicPr>
+        <p:blipFill rotWithShape="1">
+          <a:blip r:embed="rId2">
+            <a:extLst>
+              <a:ext uri="{28A0092B-C50C-407E-A947-70E740481C1C}">
+                <a14:useLocalDpi xmlns:a14="http://schemas.microsoft.com/office/drawing/2010/main" val="0"/>
+              </a:ext>
+            </a:extLst>
+          </a:blip>
+          <a:srcRect t="26214" b="25576"/>
+          <a:stretch/>
+        </p:blipFill>
+        <p:spPr>
+          <a:xfrm>
+            <a:off x="3557945" y="365124"/>
+            <a:ext cx="5076107" cy="1325563"/>
+          </a:xfrm>
+          <a:prstGeom prst="rect">
+            <a:avLst/>
+          </a:prstGeom>
+        </p:spPr>
+      </p:pic>
+      <p:pic>
+        <p:nvPicPr>
+          <p:cNvPr id="5" name="Picture 4"/>
+          <p:cNvPicPr>
+            <a:picLocks noChangeAspect="1"/>
+          </p:cNvPicPr>
+          <p:nvPr/>
+        </p:nvPicPr>
+        <p:blipFill>
+          <a:blip r:embed="rId3"/>
+          <a:stretch>
+            <a:fillRect/>
+          </a:stretch>
+        </p:blipFill>
+        <p:spPr>
+          <a:xfrm>
+            <a:off x="2989168" y="1825624"/>
+            <a:ext cx="6213663" cy="3686862"/>
+          </a:xfrm>
+          <a:prstGeom prst="rect">
+            <a:avLst/>
+          </a:prstGeom>
+        </p:spPr>
+      </p:pic>
+    </p:spTree>
+    <p:extLst>
+      <p:ext uri="{BB962C8B-B14F-4D97-AF65-F5344CB8AC3E}">
+        <p14:creationId xmlns:p14="http://schemas.microsoft.com/office/powerpoint/2010/main" val="2150837436"/>
+      </p:ext>
+    </p:extLst>
+  </p:cSld>
+  <p:clrMapOvr>
+    <a:masterClrMapping/>
+  </p:clrMapOvr>
+  <p:timing>
+    <p:tnLst>
+      <p:par>
+        <p:cTn id="1" dur="indefinite" restart="never" nodeType="tmRoot"/>
+      </p:par>
+    </p:tnLst>
+  </p:timing>
+</p:sld>
+</file>
+
+<file path=ppt/slides/slide5.xml><?xml version="1.0" encoding="utf-8"?>
 <p:sld xmlns:a="http://schemas.openxmlformats.org/drawingml/2006/main" xmlns:r="http://schemas.openxmlformats.org/officeDocument/2006/relationships" xmlns:p="http://schemas.openxmlformats.org/presentationml/2006/main">
   <p:cSld>
     <p:bg>
@@ -3196,22 +4983,9 @@
                 <a:ea typeface="Verdana" panose="020B0604030504040204" pitchFamily="34" charset="0"/>
                 <a:cs typeface="Verdana" panose="020B0604030504040204" pitchFamily="34" charset="0"/>
               </a:rPr>
-              <a:t>Waar</a:t>
-            </a:r>
-            <a:r>
-              <a:rPr lang="en-US" dirty="0" smtClean="0">
-                <a:solidFill>
-                  <a:srgbClr val="663300">
-                    <a:alpha val="90000"/>
-                  </a:srgbClr>
-                </a:solidFill>
-                <a:latin typeface="Gill Sans MT" panose="020B0502020104020203" pitchFamily="34" charset="0"/>
-                <a:ea typeface="Verdana" panose="020B0604030504040204" pitchFamily="34" charset="0"/>
-                <a:cs typeface="Verdana" panose="020B0604030504040204" pitchFamily="34" charset="0"/>
-              </a:rPr>
-              <a:t>?</a:t>
-            </a:r>
-            <a:endParaRPr lang="de-DE" dirty="0">
+              <a:t>Probleemstelling</a:t>
+            </a:r>
+            <a:endParaRPr lang="nl-BE" dirty="0">
               <a:solidFill>
                 <a:srgbClr val="663300">
                   <a:alpha val="90000"/>
@@ -3242,7 +5016,7 @@
           <a:lstStyle/>
           <a:p>
             <a:r>
-              <a:rPr lang="en-US" dirty="0">
+              <a:rPr lang="nl-BE" dirty="0" smtClean="0">
                 <a:solidFill>
                   <a:srgbClr val="663300">
                     <a:alpha val="88000"/>
@@ -3250,10 +5024,10 @@
                 </a:solidFill>
                 <a:latin typeface="Gill Sans MT" panose="020B0502020104020203" pitchFamily="34" charset="0"/>
               </a:rPr>
-              <a:t>VASCO data </a:t>
-            </a:r>
-            <a:r>
-              <a:rPr lang="en-US" dirty="0" smtClean="0">
+              <a:t>SDTF als een alleenstaand RTE op een test control host op </a:t>
+            </a:r>
+            <a:r>
+              <a:rPr lang="nl-BE" dirty="0" err="1" smtClean="0">
                 <a:solidFill>
                   <a:srgbClr val="663300">
                     <a:alpha val="88000"/>
@@ -3261,11 +5035,9 @@
                 </a:solidFill>
                 <a:latin typeface="Gill Sans MT" panose="020B0502020104020203" pitchFamily="34" charset="0"/>
               </a:rPr>
-              <a:t>security</a:t>
-            </a:r>
-          </a:p>
-          <a:p>
-            <a:endParaRPr lang="de-DE" dirty="0">
+              <a:t>vCloud</a:t>
+            </a:r>
+            <a:endParaRPr lang="nl-BE" dirty="0" smtClean="0">
               <a:solidFill>
                 <a:srgbClr val="663300">
                   <a:alpha val="88000"/>
@@ -3274,12 +5046,149 @@
               <a:latin typeface="Gill Sans MT" panose="020B0502020104020203" pitchFamily="34" charset="0"/>
             </a:endParaRPr>
           </a:p>
+          <a:p>
+            <a:r>
+              <a:rPr lang="nl-BE" dirty="0" smtClean="0">
+                <a:solidFill>
+                  <a:srgbClr val="663300">
+                    <a:alpha val="88000"/>
+                  </a:srgbClr>
+                </a:solidFill>
+                <a:latin typeface="Gill Sans MT" panose="020B0502020104020203" pitchFamily="34" charset="0"/>
+              </a:rPr>
+              <a:t>Het </a:t>
+            </a:r>
+            <a:r>
+              <a:rPr lang="nl-BE" dirty="0" err="1" smtClean="0">
+                <a:solidFill>
+                  <a:srgbClr val="663300">
+                    <a:alpha val="88000"/>
+                  </a:srgbClr>
+                </a:solidFill>
+                <a:latin typeface="Gill Sans MT" panose="020B0502020104020203" pitchFamily="34" charset="0"/>
+              </a:rPr>
+              <a:t>virtualiseren</a:t>
+            </a:r>
+            <a:r>
+              <a:rPr lang="nl-BE" dirty="0" smtClean="0">
+                <a:solidFill>
+                  <a:srgbClr val="663300">
+                    <a:alpha val="88000"/>
+                  </a:srgbClr>
+                </a:solidFill>
+                <a:latin typeface="Gill Sans MT" panose="020B0502020104020203" pitchFamily="34" charset="0"/>
+              </a:rPr>
+              <a:t> van de OS van de </a:t>
+            </a:r>
+            <a:r>
+              <a:rPr lang="nl-BE" dirty="0" err="1" smtClean="0">
+                <a:solidFill>
+                  <a:srgbClr val="663300">
+                    <a:alpha val="88000"/>
+                  </a:srgbClr>
+                </a:solidFill>
+                <a:latin typeface="Gill Sans MT" panose="020B0502020104020203" pitchFamily="34" charset="0"/>
+              </a:rPr>
+              <a:t>TCH’s</a:t>
+            </a:r>
+            <a:r>
+              <a:rPr lang="nl-BE" dirty="0" smtClean="0">
+                <a:solidFill>
+                  <a:srgbClr val="663300">
+                    <a:alpha val="88000"/>
+                  </a:srgbClr>
+                </a:solidFill>
+                <a:latin typeface="Gill Sans MT" panose="020B0502020104020203" pitchFamily="34" charset="0"/>
+              </a:rPr>
+              <a:t> kost veel resources.</a:t>
+            </a:r>
+          </a:p>
+          <a:p>
+            <a:r>
+              <a:rPr lang="nl-BE" dirty="0" smtClean="0">
+                <a:solidFill>
+                  <a:srgbClr val="663300">
+                    <a:alpha val="88000"/>
+                  </a:srgbClr>
+                </a:solidFill>
+                <a:latin typeface="Gill Sans MT" panose="020B0502020104020203" pitchFamily="34" charset="0"/>
+              </a:rPr>
+              <a:t>Deze “resource footprint” verkleinen zou zorgen dat we</a:t>
+            </a:r>
+          </a:p>
+          <a:p>
+            <a:pPr lvl="1"/>
+            <a:r>
+              <a:rPr lang="nl-BE" dirty="0" smtClean="0">
+                <a:solidFill>
+                  <a:srgbClr val="663300">
+                    <a:alpha val="88000"/>
+                  </a:srgbClr>
+                </a:solidFill>
+                <a:latin typeface="Gill Sans MT" panose="020B0502020104020203" pitchFamily="34" charset="0"/>
+              </a:rPr>
+              <a:t>Meer </a:t>
+            </a:r>
+            <a:r>
+              <a:rPr lang="nl-BE" dirty="0">
+                <a:solidFill>
+                  <a:srgbClr val="663300">
+                    <a:alpha val="88000"/>
+                  </a:srgbClr>
+                </a:solidFill>
+                <a:latin typeface="Gill Sans MT" panose="020B0502020104020203" pitchFamily="34" charset="0"/>
+              </a:rPr>
+              <a:t>test parallel </a:t>
+            </a:r>
+            <a:endParaRPr lang="nl-BE" dirty="0" smtClean="0">
+              <a:solidFill>
+                <a:srgbClr val="663300">
+                  <a:alpha val="88000"/>
+                </a:srgbClr>
+              </a:solidFill>
+              <a:latin typeface="Gill Sans MT" panose="020B0502020104020203" pitchFamily="34" charset="0"/>
+            </a:endParaRPr>
+          </a:p>
+          <a:p>
+            <a:pPr lvl="1"/>
+            <a:r>
+              <a:rPr lang="nl-BE" dirty="0" smtClean="0">
+                <a:solidFill>
+                  <a:srgbClr val="663300">
+                    <a:alpha val="88000"/>
+                  </a:srgbClr>
+                </a:solidFill>
+                <a:latin typeface="Gill Sans MT" panose="020B0502020104020203" pitchFamily="34" charset="0"/>
+              </a:rPr>
+              <a:t>Hogere rendabiliteit</a:t>
+            </a:r>
+          </a:p>
+          <a:p>
+            <a:endParaRPr lang="nl-BE" dirty="0" smtClean="0">
+              <a:solidFill>
+                <a:srgbClr val="663300">
+                  <a:alpha val="88000"/>
+                </a:srgbClr>
+              </a:solidFill>
+              <a:latin typeface="Gill Sans MT" panose="020B0502020104020203" pitchFamily="34" charset="0"/>
+            </a:endParaRPr>
+          </a:p>
+          <a:p>
+            <a:endParaRPr lang="nl-BE" dirty="0">
+              <a:solidFill>
+                <a:srgbClr val="663300">
+                  <a:alpha val="88000"/>
+                </a:srgbClr>
+              </a:solidFill>
+              <a:latin typeface="Gill Sans MT" panose="020B0502020104020203" pitchFamily="34" charset="0"/>
+            </a:endParaRPr>
+          </a:p>
         </p:txBody>
       </p:sp>
     </p:spTree>
     <p:extLst>
       <p:ext uri="{BB962C8B-B14F-4D97-AF65-F5344CB8AC3E}">
-        <p14:creationId xmlns:p14="http://schemas.microsoft.com/office/powerpoint/2010/main" val="3575134028"/>
+        <p14:creationId xmlns:p14="http://schemas.microsoft.com/office/powerpoint/2010/main" val="2821263803"/>
       </p:ext>
     </p:extLst>
   </p:cSld>
@@ -3296,7 +5205,7 @@
 </p:sld>
 </file>
 
-<file path=ppt/slides/slide3.xml><?xml version="1.0" encoding="utf-8"?>
+<file path=ppt/slides/slide6.xml><?xml version="1.0" encoding="utf-8"?>
 <p:sld xmlns:a="http://schemas.openxmlformats.org/drawingml/2006/main" xmlns:r="http://schemas.openxmlformats.org/officeDocument/2006/relationships" xmlns:p="http://schemas.openxmlformats.org/presentationml/2006/main">
   <p:cSld>
     <p:bg>
@@ -3351,7 +5260,7 @@
                 <a:ea typeface="Verdana" panose="020B0604030504040204" pitchFamily="34" charset="0"/>
                 <a:cs typeface="Verdana" panose="020B0604030504040204" pitchFamily="34" charset="0"/>
               </a:rPr>
-              <a:t>Probleemstelling</a:t>
+              <a:t>Doelstellingen</a:t>
             </a:r>
             <a:endParaRPr lang="nl-BE" dirty="0">
               <a:solidFill>
@@ -3392,7 +5301,35 @@
                 </a:solidFill>
                 <a:latin typeface="Gill Sans MT" panose="020B0502020104020203" pitchFamily="34" charset="0"/>
               </a:rPr>
-              <a:t>SDTF als een alleenstaand RTE op een test control host op </a:t>
+              <a:t>Uitwerken van een nieuwe architectuur</a:t>
+            </a:r>
+          </a:p>
+          <a:p>
+            <a:pPr lvl="1"/>
+            <a:r>
+              <a:rPr lang="nl-BE" dirty="0" smtClean="0">
+                <a:solidFill>
+                  <a:srgbClr val="663300">
+                    <a:alpha val="88000"/>
+                  </a:srgbClr>
+                </a:solidFill>
+                <a:latin typeface="Gill Sans MT" panose="020B0502020104020203" pitchFamily="34" charset="0"/>
+              </a:rPr>
+              <a:t>Docker containers</a:t>
+            </a:r>
+          </a:p>
+          <a:p>
+            <a:pPr lvl="1"/>
+            <a:r>
+              <a:rPr lang="nl-BE" dirty="0" smtClean="0">
+                <a:solidFill>
+                  <a:srgbClr val="663300">
+                    <a:alpha val="88000"/>
+                  </a:srgbClr>
+                </a:solidFill>
+                <a:latin typeface="Gill Sans MT" panose="020B0502020104020203" pitchFamily="34" charset="0"/>
+              </a:rPr>
+              <a:t>Selenium </a:t>
             </a:r>
             <a:r>
               <a:rPr lang="nl-BE" dirty="0" err="1" smtClean="0">
@@ -3403,7 +5340,7 @@
                 </a:solidFill>
                 <a:latin typeface="Gill Sans MT" panose="020B0502020104020203" pitchFamily="34" charset="0"/>
               </a:rPr>
-              <a:t>vCloud</a:t>
+              <a:t>grid</a:t>
             </a:r>
             <a:endParaRPr lang="nl-BE" dirty="0" smtClean="0">
               <a:solidFill>
@@ -3424,7 +5361,7 @@
                 </a:solidFill>
                 <a:latin typeface="Gill Sans MT" panose="020B0502020104020203" pitchFamily="34" charset="0"/>
               </a:rPr>
-              <a:t>Het </a:t>
+              <a:t>Test suites (minimum IAS </a:t>
             </a:r>
             <a:r>
               <a:rPr lang="nl-BE" dirty="0" err="1" smtClean="0">
@@ -3435,7 +5372,7 @@
                 </a:solidFill>
                 <a:latin typeface="Gill Sans MT" panose="020B0502020104020203" pitchFamily="34" charset="0"/>
               </a:rPr>
-              <a:t>virtualiseren</a:t>
+              <a:t>WebAdmin</a:t>
             </a:r>
             <a:r>
               <a:rPr lang="nl-BE" dirty="0" smtClean="0">
@@ -3446,10 +5383,13 @@
                 </a:solidFill>
                 <a:latin typeface="Gill Sans MT" panose="020B0502020104020203" pitchFamily="34" charset="0"/>
               </a:rPr>
-              <a:t> van de OS van de </a:t>
-            </a:r>
-            <a:r>
-              <a:rPr lang="nl-BE" dirty="0" err="1" smtClean="0">
+              <a:t>):</a:t>
+            </a:r>
+          </a:p>
+          <a:p>
+            <a:pPr lvl="1"/>
+            <a:r>
+              <a:rPr lang="nl-BE" dirty="0" smtClean="0">
                 <a:solidFill>
                   <a:srgbClr val="663300">
                     <a:alpha val="88000"/>
@@ -3457,8 +5397,11 @@
                 </a:solidFill>
                 <a:latin typeface="Gill Sans MT" panose="020B0502020104020203" pitchFamily="34" charset="0"/>
               </a:rPr>
-              <a:t>TCH’s</a:t>
-            </a:r>
+              <a:t>Documenteer nodige veranderingen</a:t>
+            </a:r>
+          </a:p>
+          <a:p>
+            <a:pPr lvl="1"/>
             <a:r>
               <a:rPr lang="nl-BE" dirty="0" smtClean="0">
                 <a:solidFill>
@@ -3468,10 +5411,11 @@
                 </a:solidFill>
                 <a:latin typeface="Gill Sans MT" panose="020B0502020104020203" pitchFamily="34" charset="0"/>
               </a:rPr>
-              <a:t> eist een groot deel resources.</a:t>
-            </a:r>
-          </a:p>
-          <a:p>
+              <a:t>Migreer de suites</a:t>
+            </a:r>
+          </a:p>
+          <a:p>
+            <a:pPr lvl="1"/>
             <a:r>
               <a:rPr lang="nl-BE" dirty="0" smtClean="0">
                 <a:solidFill>
@@ -3481,323 +5425,71 @@
                 </a:solidFill>
                 <a:latin typeface="Gill Sans MT" panose="020B0502020104020203" pitchFamily="34" charset="0"/>
               </a:rPr>
-              <a:t>Deze “resource footprint” verkleinen zou zorgen dat we</a:t>
-            </a:r>
-          </a:p>
-          <a:p>
-            <a:pPr lvl="1"/>
-            <a:r>
-              <a:rPr lang="nl-BE" dirty="0" smtClean="0">
-                <a:solidFill>
-                  <a:srgbClr val="663300">
-                    <a:alpha val="88000"/>
-                  </a:srgbClr>
-                </a:solidFill>
-                <a:latin typeface="Gill Sans MT" panose="020B0502020104020203" pitchFamily="34" charset="0"/>
-              </a:rPr>
-              <a:t>Meer </a:t>
-            </a:r>
-            <a:r>
-              <a:rPr lang="nl-BE" dirty="0">
-                <a:solidFill>
-                  <a:srgbClr val="663300">
-                    <a:alpha val="88000"/>
-                  </a:srgbClr>
-                </a:solidFill>
-                <a:latin typeface="Gill Sans MT" panose="020B0502020104020203" pitchFamily="34" charset="0"/>
-              </a:rPr>
-              <a:t>test parallel </a:t>
-            </a:r>
-            <a:endParaRPr lang="nl-BE" dirty="0" smtClean="0">
-              <a:solidFill>
-                <a:srgbClr val="663300">
-                  <a:alpha val="88000"/>
-                </a:srgbClr>
-              </a:solidFill>
-              <a:latin typeface="Gill Sans MT" panose="020B0502020104020203" pitchFamily="34" charset="0"/>
-            </a:endParaRPr>
-          </a:p>
-          <a:p>
-            <a:pPr lvl="1"/>
-            <a:r>
-              <a:rPr lang="nl-BE" dirty="0" smtClean="0">
-                <a:solidFill>
-                  <a:srgbClr val="663300">
-                    <a:alpha val="88000"/>
-                  </a:srgbClr>
-                </a:solidFill>
-                <a:latin typeface="Gill Sans MT" panose="020B0502020104020203" pitchFamily="34" charset="0"/>
-              </a:rPr>
-              <a:t>Hogere rendabiliteit</a:t>
-            </a:r>
-          </a:p>
-          <a:p>
-            <a:endParaRPr lang="nl-BE" dirty="0" smtClean="0">
-              <a:solidFill>
-                <a:srgbClr val="663300">
-                  <a:alpha val="88000"/>
-                </a:srgbClr>
-              </a:solidFill>
-              <a:latin typeface="Gill Sans MT" panose="020B0502020104020203" pitchFamily="34" charset="0"/>
-            </a:endParaRPr>
-          </a:p>
-          <a:p>
-            <a:endParaRPr lang="nl-BE" dirty="0">
-              <a:solidFill>
-                <a:srgbClr val="663300">
-                  <a:alpha val="88000"/>
-                </a:srgbClr>
-              </a:solidFill>
-              <a:latin typeface="Gill Sans MT" panose="020B0502020104020203" pitchFamily="34" charset="0"/>
-            </a:endParaRPr>
-          </a:p>
-        </p:txBody>
-      </p:sp>
-    </p:spTree>
-    <p:extLst>
-      <p:ext uri="{BB962C8B-B14F-4D97-AF65-F5344CB8AC3E}">
-        <p14:creationId xmlns:p14="http://schemas.microsoft.com/office/powerpoint/2010/main" val="2821263803"/>
-      </p:ext>
-    </p:extLst>
-  </p:cSld>
-  <p:clrMapOvr>
-    <a:overrideClrMapping bg1="lt1" tx1="dk1" bg2="lt2" tx2="dk2" accent1="accent1" accent2="accent2" accent3="accent3" accent4="accent4" accent5="accent5" accent6="accent6" hlink="hlink" folHlink="folHlink"/>
-  </p:clrMapOvr>
-  <p:timing>
-    <p:tnLst>
-      <p:par>
-        <p:cTn id="1" dur="indefinite" restart="never" nodeType="tmRoot"/>
-      </p:par>
-    </p:tnLst>
-  </p:timing>
-</p:sld>
-</file>
-
-<file path=ppt/slides/slide4.xml><?xml version="1.0" encoding="utf-8"?>
-<p:sld xmlns:a="http://schemas.openxmlformats.org/drawingml/2006/main" xmlns:r="http://schemas.openxmlformats.org/officeDocument/2006/relationships" xmlns:p="http://schemas.openxmlformats.org/presentationml/2006/main">
-  <p:cSld>
-    <p:bg>
-      <p:bgPr>
-        <a:solidFill>
-          <a:schemeClr val="accent6">
-            <a:alpha val="8000"/>
-          </a:schemeClr>
-        </a:solidFill>
-        <a:effectLst/>
-      </p:bgPr>
-    </p:bg>
-    <p:spTree>
-      <p:nvGrpSpPr>
-        <p:cNvPr id="1" name=""/>
-        <p:cNvGrpSpPr/>
-        <p:nvPr/>
-      </p:nvGrpSpPr>
-      <p:grpSpPr>
-        <a:xfrm>
-          <a:off x="0" y="0"/>
-          <a:ext cx="0" cy="0"/>
-          <a:chOff x="0" y="0"/>
-          <a:chExt cx="0" cy="0"/>
-        </a:xfrm>
-      </p:grpSpPr>
-      <p:sp>
-        <p:nvSpPr>
-          <p:cNvPr id="2" name="Title 1"/>
-          <p:cNvSpPr>
-            <a:spLocks noGrp="1"/>
-          </p:cNvSpPr>
-          <p:nvPr>
-            <p:ph type="title"/>
-          </p:nvPr>
-        </p:nvSpPr>
-        <p:spPr/>
-        <p:txBody>
-          <a:bodyPr>
-            <a:normAutofit/>
-          </a:bodyPr>
-          <a:lstStyle/>
-          <a:p>
-            <a:r>
-              <a:rPr lang="nl-BE" dirty="0" smtClean="0">
-                <a:solidFill>
-                  <a:srgbClr val="663300">
-                    <a:alpha val="90000"/>
-                  </a:srgbClr>
-                </a:solidFill>
-                <a:latin typeface="Gill Sans MT" panose="020B0502020104020203" pitchFamily="34" charset="0"/>
-                <a:ea typeface="Verdana" panose="020B0604030504040204" pitchFamily="34" charset="0"/>
-                <a:cs typeface="Verdana" panose="020B0604030504040204" pitchFamily="34" charset="0"/>
-              </a:rPr>
-              <a:t>Doelstellingen</a:t>
-            </a:r>
-            <a:endParaRPr lang="nl-BE" dirty="0">
-              <a:solidFill>
-                <a:srgbClr val="663300">
-                  <a:alpha val="90000"/>
-                </a:srgbClr>
-              </a:solidFill>
-              <a:latin typeface="Gill Sans MT" panose="020B0502020104020203" pitchFamily="34" charset="0"/>
-              <a:ea typeface="Verdana" panose="020B0604030504040204" pitchFamily="34" charset="0"/>
-              <a:cs typeface="Verdana" panose="020B0604030504040204" pitchFamily="34" charset="0"/>
-            </a:endParaRPr>
-          </a:p>
-        </p:txBody>
-      </p:sp>
-      <p:sp>
-        <p:nvSpPr>
-          <p:cNvPr id="3" name="Content Placeholder 2"/>
-          <p:cNvSpPr>
-            <a:spLocks noGrp="1"/>
-          </p:cNvSpPr>
-          <p:nvPr>
-            <p:ph idx="1"/>
-          </p:nvPr>
-        </p:nvSpPr>
-        <p:spPr/>
-        <p:txBody>
-          <a:bodyPr>
-            <a:normAutofit/>
-          </a:bodyPr>
-          <a:lstStyle/>
-          <a:p>
-            <a:r>
-              <a:rPr lang="nl-BE" dirty="0" smtClean="0">
-                <a:solidFill>
-                  <a:srgbClr val="663300">
-                    <a:alpha val="88000"/>
-                  </a:srgbClr>
-                </a:solidFill>
-                <a:latin typeface="Gill Sans MT" panose="020B0502020104020203" pitchFamily="34" charset="0"/>
-              </a:rPr>
-              <a:t>Uitwerken van een nieuwe architectuur</a:t>
-            </a:r>
-          </a:p>
-          <a:p>
-            <a:pPr lvl="1"/>
-            <a:r>
-              <a:rPr lang="nl-BE" dirty="0" smtClean="0">
-                <a:solidFill>
-                  <a:srgbClr val="663300">
-                    <a:alpha val="88000"/>
-                  </a:srgbClr>
-                </a:solidFill>
-                <a:latin typeface="Gill Sans MT" panose="020B0502020104020203" pitchFamily="34" charset="0"/>
-              </a:rPr>
-              <a:t>Docker containers</a:t>
-            </a:r>
-          </a:p>
-          <a:p>
-            <a:pPr lvl="1"/>
-            <a:r>
-              <a:rPr lang="nl-BE" dirty="0" smtClean="0">
-                <a:solidFill>
-                  <a:srgbClr val="663300">
-                    <a:alpha val="88000"/>
-                  </a:srgbClr>
-                </a:solidFill>
-                <a:latin typeface="Gill Sans MT" panose="020B0502020104020203" pitchFamily="34" charset="0"/>
-              </a:rPr>
-              <a:t>Selenium </a:t>
-            </a:r>
-            <a:r>
-              <a:rPr lang="nl-BE" dirty="0" err="1" smtClean="0">
-                <a:solidFill>
-                  <a:srgbClr val="663300">
-                    <a:alpha val="88000"/>
-                  </a:srgbClr>
-                </a:solidFill>
-                <a:latin typeface="Gill Sans MT" panose="020B0502020104020203" pitchFamily="34" charset="0"/>
-              </a:rPr>
-              <a:t>grid</a:t>
-            </a:r>
-            <a:endParaRPr lang="nl-BE" dirty="0" smtClean="0">
-              <a:solidFill>
-                <a:srgbClr val="663300">
-                  <a:alpha val="88000"/>
-                </a:srgbClr>
-              </a:solidFill>
-              <a:latin typeface="Gill Sans MT" panose="020B0502020104020203" pitchFamily="34" charset="0"/>
-            </a:endParaRPr>
-          </a:p>
-          <a:p>
-            <a:r>
-              <a:rPr lang="nl-BE" dirty="0" smtClean="0">
-                <a:solidFill>
-                  <a:srgbClr val="663300">
-                    <a:alpha val="88000"/>
-                  </a:srgbClr>
-                </a:solidFill>
-                <a:latin typeface="Gill Sans MT" panose="020B0502020104020203" pitchFamily="34" charset="0"/>
-              </a:rPr>
-              <a:t>Test suites (minimum IAS </a:t>
-            </a:r>
-            <a:r>
-              <a:rPr lang="nl-BE" dirty="0" err="1" smtClean="0">
-                <a:solidFill>
-                  <a:srgbClr val="663300">
-                    <a:alpha val="88000"/>
-                  </a:srgbClr>
-                </a:solidFill>
-                <a:latin typeface="Gill Sans MT" panose="020B0502020104020203" pitchFamily="34" charset="0"/>
-              </a:rPr>
-              <a:t>WebAdmin</a:t>
-            </a:r>
-            <a:r>
-              <a:rPr lang="nl-BE" dirty="0" smtClean="0">
-                <a:solidFill>
-                  <a:srgbClr val="663300">
-                    <a:alpha val="88000"/>
-                  </a:srgbClr>
-                </a:solidFill>
-                <a:latin typeface="Gill Sans MT" panose="020B0502020104020203" pitchFamily="34" charset="0"/>
-              </a:rPr>
-              <a:t>):</a:t>
-            </a:r>
-          </a:p>
-          <a:p>
-            <a:pPr lvl="1"/>
-            <a:r>
-              <a:rPr lang="nl-BE" dirty="0" smtClean="0">
-                <a:solidFill>
-                  <a:srgbClr val="663300">
-                    <a:alpha val="88000"/>
-                  </a:srgbClr>
-                </a:solidFill>
-                <a:latin typeface="Gill Sans MT" panose="020B0502020104020203" pitchFamily="34" charset="0"/>
-              </a:rPr>
-              <a:t>Documenteer nodige veranderingen</a:t>
-            </a:r>
-          </a:p>
-          <a:p>
-            <a:pPr lvl="1"/>
-            <a:r>
-              <a:rPr lang="nl-BE" dirty="0" smtClean="0">
-                <a:solidFill>
-                  <a:srgbClr val="663300">
-                    <a:alpha val="88000"/>
-                  </a:srgbClr>
-                </a:solidFill>
-                <a:latin typeface="Gill Sans MT" panose="020B0502020104020203" pitchFamily="34" charset="0"/>
-              </a:rPr>
-              <a:t>Migreer de suites</a:t>
-            </a:r>
-          </a:p>
-          <a:p>
-            <a:pPr lvl="1"/>
-            <a:r>
-              <a:rPr lang="nl-BE" dirty="0" smtClean="0">
-                <a:solidFill>
-                  <a:srgbClr val="663300">
-                    <a:alpha val="88000"/>
-                  </a:srgbClr>
-                </a:solidFill>
-                <a:latin typeface="Gill Sans MT" panose="020B0502020104020203" pitchFamily="34" charset="0"/>
-              </a:rPr>
               <a:t>Werkende demo</a:t>
             </a:r>
           </a:p>
         </p:txBody>
       </p:sp>
+      <p:pic>
+        <p:nvPicPr>
+          <p:cNvPr id="4" name="Picture 3"/>
+          <p:cNvPicPr>
+            <a:picLocks noChangeAspect="1"/>
+          </p:cNvPicPr>
+          <p:nvPr/>
+        </p:nvPicPr>
+        <p:blipFill>
+          <a:blip r:embed="rId3">
+            <a:extLst>
+              <a:ext uri="{28A0092B-C50C-407E-A947-70E740481C1C}">
+                <a14:useLocalDpi xmlns:a14="http://schemas.microsoft.com/office/drawing/2010/main" val="0"/>
+              </a:ext>
+            </a:extLst>
+          </a:blip>
+          <a:stretch>
+            <a:fillRect/>
+          </a:stretch>
+        </p:blipFill>
+        <p:spPr>
+          <a:xfrm>
+            <a:off x="9003618" y="3664781"/>
+            <a:ext cx="2113917" cy="1913095"/>
+          </a:xfrm>
+          <a:prstGeom prst="rect">
+            <a:avLst/>
+          </a:prstGeom>
+        </p:spPr>
+      </p:pic>
+      <p:pic>
+        <p:nvPicPr>
+          <p:cNvPr id="5" name="Picture 4"/>
+          <p:cNvPicPr>
+            <a:picLocks noChangeAspect="1"/>
+          </p:cNvPicPr>
+          <p:nvPr/>
+        </p:nvPicPr>
+        <p:blipFill>
+          <a:blip r:embed="rId4">
+            <a:extLst>
+              <a:ext uri="{28A0092B-C50C-407E-A947-70E740481C1C}">
+                <a14:useLocalDpi xmlns:a14="http://schemas.microsoft.com/office/drawing/2010/main" val="0"/>
+              </a:ext>
+            </a:extLst>
+          </a:blip>
+          <a:stretch>
+            <a:fillRect/>
+          </a:stretch>
+        </p:blipFill>
+        <p:spPr>
+          <a:xfrm>
+            <a:off x="8759734" y="714110"/>
+            <a:ext cx="2601686" cy="2601686"/>
+          </a:xfrm>
+          <a:prstGeom prst="rect">
+            <a:avLst/>
+          </a:prstGeom>
+        </p:spPr>
+      </p:pic>
     </p:spTree>
     <p:extLst>
       <p:ext uri="{BB962C8B-B14F-4D97-AF65-F5344CB8AC3E}">
@@ -3818,7 +5510,7 @@
 </p:sld>
 </file>
 
-<file path=ppt/slides/slide5.xml><?xml version="1.0" encoding="utf-8"?>
+<file path=ppt/slides/slide7.xml><?xml version="1.0" encoding="utf-8"?>
 <p:sld xmlns:a="http://schemas.openxmlformats.org/drawingml/2006/main" xmlns:r="http://schemas.openxmlformats.org/officeDocument/2006/relationships" xmlns:p="http://schemas.openxmlformats.org/presentationml/2006/main">
   <p:cSld>
     <p:spTree>
@@ -3975,7 +5667,7 @@
 </p:sld>
 </file>
 
-<file path=ppt/slides/slide6.xml><?xml version="1.0" encoding="utf-8"?>
+<file path=ppt/slides/slide8.xml><?xml version="1.0" encoding="utf-8"?>
 <p:sld xmlns:a="http://schemas.openxmlformats.org/drawingml/2006/main" xmlns:r="http://schemas.openxmlformats.org/officeDocument/2006/relationships" xmlns:p="http://schemas.openxmlformats.org/presentationml/2006/main">
   <p:cSld>
     <p:spTree>
@@ -4200,6 +5892,193 @@
           </a:p>
         </p:txBody>
       </p:sp>
+    </p:spTree>
+    <p:extLst>
+      <p:ext uri="{BB962C8B-B14F-4D97-AF65-F5344CB8AC3E}">
+        <p14:creationId xmlns:p14="http://schemas.microsoft.com/office/powerpoint/2010/main" val="1861276686"/>
+      </p:ext>
+    </p:extLst>
+  </p:cSld>
+  <p:clrMapOvr>
+    <a:masterClrMapping/>
+  </p:clrMapOvr>
+  <p:timing>
+    <p:tnLst>
+      <p:par>
+        <p:cTn id="1" dur="indefinite" restart="never" nodeType="tmRoot"/>
+      </p:par>
+    </p:tnLst>
+  </p:timing>
+</p:sld>
+</file>
+
+<file path=ppt/slides/slide9.xml><?xml version="1.0" encoding="utf-8"?>
+<p:sld xmlns:a="http://schemas.openxmlformats.org/drawingml/2006/main" xmlns:r="http://schemas.openxmlformats.org/officeDocument/2006/relationships" xmlns:p="http://schemas.openxmlformats.org/presentationml/2006/main">
+  <p:cSld>
+    <p:spTree>
+      <p:nvGrpSpPr>
+        <p:cNvPr id="1" name=""/>
+        <p:cNvGrpSpPr/>
+        <p:nvPr/>
+      </p:nvGrpSpPr>
+      <p:grpSpPr>
+        <a:xfrm>
+          <a:off x="0" y="0"/>
+          <a:ext cx="0" cy="0"/>
+          <a:chOff x="0" y="0"/>
+          <a:chExt cx="0" cy="0"/>
+        </a:xfrm>
+      </p:grpSpPr>
+      <p:sp>
+        <p:nvSpPr>
+          <p:cNvPr id="2" name="Title 1"/>
+          <p:cNvSpPr>
+            <a:spLocks noGrp="1"/>
+          </p:cNvSpPr>
+          <p:nvPr>
+            <p:ph type="title"/>
+          </p:nvPr>
+        </p:nvSpPr>
+        <p:spPr/>
+        <p:txBody>
+          <a:bodyPr>
+            <a:normAutofit/>
+          </a:bodyPr>
+          <a:lstStyle/>
+          <a:p>
+            <a:r>
+              <a:rPr lang="nl-BE" dirty="0" err="1" smtClean="0">
+                <a:solidFill>
+                  <a:srgbClr val="663300">
+                    <a:alpha val="90000"/>
+                  </a:srgbClr>
+                </a:solidFill>
+                <a:latin typeface="Gill Sans MT" panose="020B0502020104020203" pitchFamily="34" charset="0"/>
+                <a:ea typeface="Verdana" panose="020B0604030504040204" pitchFamily="34" charset="0"/>
+                <a:cs typeface="Verdana" panose="020B0604030504040204" pitchFamily="34" charset="0"/>
+              </a:rPr>
+              <a:t>VM’s</a:t>
+            </a:r>
+            <a:r>
+              <a:rPr lang="nl-BE" dirty="0" smtClean="0">
+                <a:solidFill>
+                  <a:srgbClr val="663300">
+                    <a:alpha val="90000"/>
+                  </a:srgbClr>
+                </a:solidFill>
+                <a:latin typeface="Gill Sans MT" panose="020B0502020104020203" pitchFamily="34" charset="0"/>
+                <a:ea typeface="Verdana" panose="020B0604030504040204" pitchFamily="34" charset="0"/>
+                <a:cs typeface="Verdana" panose="020B0604030504040204" pitchFamily="34" charset="0"/>
+              </a:rPr>
+              <a:t> </a:t>
+            </a:r>
+            <a:r>
+              <a:rPr lang="nl-BE" dirty="0" err="1" smtClean="0">
+                <a:solidFill>
+                  <a:srgbClr val="663300">
+                    <a:alpha val="90000"/>
+                  </a:srgbClr>
+                </a:solidFill>
+                <a:latin typeface="Gill Sans MT" panose="020B0502020104020203" pitchFamily="34" charset="0"/>
+                <a:ea typeface="Verdana" panose="020B0604030504040204" pitchFamily="34" charset="0"/>
+                <a:cs typeface="Verdana" panose="020B0604030504040204" pitchFamily="34" charset="0"/>
+              </a:rPr>
+              <a:t>vs</a:t>
+            </a:r>
+            <a:r>
+              <a:rPr lang="nl-BE" dirty="0" smtClean="0">
+                <a:solidFill>
+                  <a:srgbClr val="663300">
+                    <a:alpha val="90000"/>
+                  </a:srgbClr>
+                </a:solidFill>
+                <a:latin typeface="Gill Sans MT" panose="020B0502020104020203" pitchFamily="34" charset="0"/>
+                <a:ea typeface="Verdana" panose="020B0604030504040204" pitchFamily="34" charset="0"/>
+                <a:cs typeface="Verdana" panose="020B0604030504040204" pitchFamily="34" charset="0"/>
+              </a:rPr>
+              <a:t> container</a:t>
+            </a:r>
+            <a:endParaRPr lang="nl-BE" dirty="0">
+              <a:solidFill>
+                <a:srgbClr val="663300">
+                  <a:alpha val="90000"/>
+                </a:srgbClr>
+              </a:solidFill>
+              <a:latin typeface="Gill Sans MT" panose="020B0502020104020203" pitchFamily="34" charset="0"/>
+              <a:ea typeface="Verdana" panose="020B0604030504040204" pitchFamily="34" charset="0"/>
+              <a:cs typeface="Verdana" panose="020B0604030504040204" pitchFamily="34" charset="0"/>
+            </a:endParaRPr>
+          </a:p>
+        </p:txBody>
+      </p:sp>
+      <p:sp>
+        <p:nvSpPr>
+          <p:cNvPr id="3" name="Content Placeholder 2"/>
+          <p:cNvSpPr>
+            <a:spLocks noGrp="1"/>
+          </p:cNvSpPr>
+          <p:nvPr>
+            <p:ph idx="1"/>
+          </p:nvPr>
+        </p:nvSpPr>
+        <p:spPr/>
+        <p:txBody>
+          <a:bodyPr>
+            <a:normAutofit/>
+          </a:bodyPr>
+          <a:lstStyle/>
+          <a:p>
+            <a:endParaRPr lang="nl-BE" dirty="0" smtClean="0">
+              <a:solidFill>
+                <a:srgbClr val="663300">
+                  <a:alpha val="88000"/>
+                </a:srgbClr>
+              </a:solidFill>
+              <a:latin typeface="Gill Sans MT" panose="020B0502020104020203" pitchFamily="34" charset="0"/>
+            </a:endParaRPr>
+          </a:p>
+          <a:p>
+            <a:endParaRPr lang="nl-BE" dirty="0">
+              <a:solidFill>
+                <a:srgbClr val="663300">
+                  <a:alpha val="88000"/>
+                </a:srgbClr>
+              </a:solidFill>
+              <a:latin typeface="Gill Sans MT" panose="020B0502020104020203" pitchFamily="34" charset="0"/>
+            </a:endParaRPr>
+          </a:p>
+        </p:txBody>
+      </p:sp>
+      <p:pic>
+        <p:nvPicPr>
+          <p:cNvPr id="4" name="Picture 3"/>
+          <p:cNvPicPr>
+            <a:picLocks noChangeAspect="1"/>
+          </p:cNvPicPr>
+          <p:nvPr/>
+        </p:nvPicPr>
+        <p:blipFill>
+          <a:blip r:embed="rId2">
+            <a:extLst>
+              <a:ext uri="{28A0092B-C50C-407E-A947-70E740481C1C}">
+                <a14:useLocalDpi xmlns:a14="http://schemas.microsoft.com/office/drawing/2010/main" val="0"/>
+              </a:ext>
+            </a:extLst>
+          </a:blip>
+          <a:stretch>
+            <a:fillRect/>
+          </a:stretch>
+        </p:blipFill>
+        <p:spPr>
+          <a:xfrm>
+            <a:off x="1772398" y="1780594"/>
+            <a:ext cx="8647203" cy="4441399"/>
+          </a:xfrm>
+          <a:prstGeom prst="rect">
+            <a:avLst/>
+          </a:prstGeom>
+        </p:spPr>
+      </p:pic>
     </p:spTree>
     <p:extLst>
       <p:ext uri="{BB962C8B-B14F-4D97-AF65-F5344CB8AC3E}">
